--- a/presentation/2025_pvpmc_hobbs_ercot.pptx
+++ b/presentation/2025_pvpmc_hobbs_ercot.pptx
@@ -110,6 +110,790 @@
     </p:ext>
   </p:extLst>
 </p:presentation>
+</file>
+
+<file path=ppt/ink/ink1.xml><?xml version="1.0" encoding="utf-8"?>
+<inkml:ink xmlns:inkml="http://www.w3.org/2003/InkML">
+  <inkml:definitions>
+    <inkml:context xml:id="ctx0">
+      <inkml:inkSource xml:id="inkSrc0">
+        <inkml:traceFormat>
+          <inkml:channel name="X" type="integer" min="-2.14748E9" max="2.14748E9" units="cm"/>
+          <inkml:channel name="Y" type="integer" min="-2.14748E9" max="2.14748E9" units="cm"/>
+          <inkml:channel name="F" type="integer" max="32767" units="dev"/>
+        </inkml:traceFormat>
+        <inkml:channelProperties>
+          <inkml:channelProperty channel="X" name="resolution" value="1000" units="1/cm"/>
+          <inkml:channelProperty channel="Y" name="resolution" value="1000" units="1/cm"/>
+          <inkml:channelProperty channel="F" name="resolution" value="0" units="1/dev"/>
+        </inkml:channelProperties>
+      </inkml:inkSource>
+      <inkml:timestamp xml:id="ts0" timeString="2025-05-10T23:54:11.736"/>
+    </inkml:context>
+    <inkml:brush xml:id="br0">
+      <inkml:brushProperty name="width" value="0.1" units="cm"/>
+      <inkml:brushProperty name="height" value="0.1" units="cm"/>
+      <inkml:brushProperty name="color" value="#E71224"/>
+    </inkml:brush>
+  </inkml:definitions>
+  <inkml:trace contextRef="#ctx0" brushRef="#br0">1 162 24575,'0'-13'0,"0"0"0,1 0 0,0 0 0,1 0 0,6-24 0,-6 33 0,-1 1 0,1 0 0,-1-1 0,1 1 0,0 0 0,0 0 0,0 0 0,1 0 0,-1 0 0,1 1 0,0-1 0,-1 1 0,1 0 0,0-1 0,0 1 0,1 1 0,-1-1 0,0 0 0,1 1 0,-1 0 0,1-1 0,-1 1 0,1 1 0,0-1 0,5 0 0,-1 0 0,-1 0 0,0 1 0,1 0 0,-1 1 0,1-1 0,-1 1 0,0 1 0,0-1 0,0 1 0,1 1 0,-2-1 0,1 1 0,0 0 0,-1 1 0,1 0 0,-1 0 0,0 0 0,0 0 0,-1 1 0,1 0 0,5 8 0,-3-6 0,-1-1 0,1 1 0,0-1 0,1-1 0,-1 0 0,1 0 0,0 0 0,0-1 0,14 4 0,-20-7 0,-1 0 0,1 0 0,0-1 0,0 1 0,0-1 0,0 1 0,0-1 0,0 0 0,0 0 0,0-1 0,0 1 0,0 0 0,0-1 0,0 0 0,0 0 0,0 0 0,-1 0 0,1 0 0,0 0 0,-1-1 0,1 0 0,0 1 0,-1-1 0,0 0 0,0 0 0,1 0 0,-1 0 0,0-1 0,-1 1 0,1 0 0,0-1 0,-1 0 0,1 1 0,-1-1 0,1-3 0,7-28-1365,-7 18-5461</inkml:trace>
+</inkml:ink>
+</file>
+
+<file path=ppt/ink/ink10.xml><?xml version="1.0" encoding="utf-8"?>
+<inkml:ink xmlns:inkml="http://www.w3.org/2003/InkML">
+  <inkml:definitions>
+    <inkml:context xml:id="ctx0">
+      <inkml:inkSource xml:id="inkSrc0">
+        <inkml:traceFormat>
+          <inkml:channel name="X" type="integer" min="-2.14748E9" max="2.14748E9" units="cm"/>
+          <inkml:channel name="Y" type="integer" min="-2.14748E9" max="2.14748E9" units="cm"/>
+          <inkml:channel name="F" type="integer" max="32767" units="dev"/>
+        </inkml:traceFormat>
+        <inkml:channelProperties>
+          <inkml:channelProperty channel="X" name="resolution" value="1000" units="1/cm"/>
+          <inkml:channelProperty channel="Y" name="resolution" value="1000" units="1/cm"/>
+          <inkml:channelProperty channel="F" name="resolution" value="0" units="1/dev"/>
+        </inkml:channelProperties>
+      </inkml:inkSource>
+      <inkml:timestamp xml:id="ts0" timeString="2025-05-10T23:54:31.942"/>
+    </inkml:context>
+    <inkml:brush xml:id="br0">
+      <inkml:brushProperty name="width" value="0.1" units="cm"/>
+      <inkml:brushProperty name="height" value="0.1" units="cm"/>
+      <inkml:brushProperty name="color" value="#E71224"/>
+    </inkml:brush>
+  </inkml:definitions>
+  <inkml:trace contextRef="#ctx0" brushRef="#br0">1 1 24575,'3'0'0</inkml:trace>
+</inkml:ink>
+</file>
+
+<file path=ppt/ink/ink11.xml><?xml version="1.0" encoding="utf-8"?>
+<inkml:ink xmlns:inkml="http://www.w3.org/2003/InkML">
+  <inkml:definitions>
+    <inkml:context xml:id="ctx0">
+      <inkml:inkSource xml:id="inkSrc0">
+        <inkml:traceFormat>
+          <inkml:channel name="X" type="integer" min="-2.14748E9" max="2.14748E9" units="cm"/>
+          <inkml:channel name="Y" type="integer" min="-2.14748E9" max="2.14748E9" units="cm"/>
+          <inkml:channel name="F" type="integer" max="32767" units="dev"/>
+        </inkml:traceFormat>
+        <inkml:channelProperties>
+          <inkml:channelProperty channel="X" name="resolution" value="1000" units="1/cm"/>
+          <inkml:channelProperty channel="Y" name="resolution" value="1000" units="1/cm"/>
+          <inkml:channelProperty channel="F" name="resolution" value="0" units="1/dev"/>
+        </inkml:channelProperties>
+      </inkml:inkSource>
+      <inkml:timestamp xml:id="ts0" timeString="2025-05-10T23:57:12.052"/>
+    </inkml:context>
+    <inkml:brush xml:id="br0">
+      <inkml:brushProperty name="width" value="0.1" units="cm"/>
+      <inkml:brushProperty name="height" value="0.1" units="cm"/>
+      <inkml:brushProperty name="color" value="#E71224"/>
+    </inkml:brush>
+  </inkml:definitions>
+  <inkml:trace contextRef="#ctx0" brushRef="#br0">0 126 24575,'3'-1'0,"-1"0"0,0 0 0,1 0 0,-1 0 0,0-1 0,0 1 0,0 0 0,0-1 0,0 0 0,0 1 0,0-1 0,-1 0 0,1 0 0,-1 0 0,1 0 0,-1 0 0,2-5 0,9-8 0,-4 6 0,0 1 0,1 0 0,1 0 0,-1 1 0,20-11 0,-21 14 0,-1 1 0,1 0 0,0 1 0,-1 0 0,1 0 0,0 0 0,0 1 0,1 0 0,11 1 0,-10 0 0,-1 1 0,1-1 0,-1 2 0,1-1 0,17 6 0,-21-4 0,-1 0 0,1 0 0,-1 0 0,1 0 0,-1 1 0,0 0 0,0 0 0,-1 0 0,1 1 0,3 5 0,9 11 0,-8-9 0,1 0 0,0-1 0,23 20 0,-30-28 0,0-1 0,0 0 0,0 0 0,0-1 0,1 1 0,-1 0 0,0-1 0,1 0 0,-1 0 0,1 0 0,-1 0 0,1-1 0,-1 1 0,1-1 0,0 0 0,-1 0 0,1 0 0,-1-1 0,1 1 0,0-1 0,-1 0 0,4-1 0,-4 1 20,-1 0 0,0 0 0,0 0 1,0 0-1,0 0 0,0-1 0,-1 1 0,1-1 0,0 0 0,-1 1 0,1-1 0,-1 0 0,1 0 0,-1 0 0,0 0 0,2-4 1,-1 0-306,0 1 1,0-1-1,-1 0 1,0 0-1,0-8 1,1-5-6542</inkml:trace>
+</inkml:ink>
+</file>
+
+<file path=ppt/ink/ink12.xml><?xml version="1.0" encoding="utf-8"?>
+<inkml:ink xmlns:inkml="http://www.w3.org/2003/InkML">
+  <inkml:definitions>
+    <inkml:context xml:id="ctx0">
+      <inkml:inkSource xml:id="inkSrc0">
+        <inkml:traceFormat>
+          <inkml:channel name="X" type="integer" min="-2.14748E9" max="2.14748E9" units="cm"/>
+          <inkml:channel name="Y" type="integer" min="-2.14748E9" max="2.14748E9" units="cm"/>
+          <inkml:channel name="F" type="integer" max="32767" units="dev"/>
+        </inkml:traceFormat>
+        <inkml:channelProperties>
+          <inkml:channelProperty channel="X" name="resolution" value="1000" units="1/cm"/>
+          <inkml:channelProperty channel="Y" name="resolution" value="1000" units="1/cm"/>
+          <inkml:channelProperty channel="F" name="resolution" value="0" units="1/dev"/>
+        </inkml:channelProperties>
+      </inkml:inkSource>
+      <inkml:timestamp xml:id="ts0" timeString="2025-05-10T23:57:13.144"/>
+    </inkml:context>
+    <inkml:brush xml:id="br0">
+      <inkml:brushProperty name="width" value="0.1" units="cm"/>
+      <inkml:brushProperty name="height" value="0.1" units="cm"/>
+      <inkml:brushProperty name="color" value="#E71224"/>
+    </inkml:brush>
+  </inkml:definitions>
+  <inkml:trace contextRef="#ctx0" brushRef="#br0">0 1 24575,'10'25'0,"-1"1"0,-1 1 0,-1-1 0,-1 1 0,2 39 0,-1-20 0,4 63-511,-5 187 0,-6-277 168,-1 2-6483</inkml:trace>
+</inkml:ink>
+</file>
+
+<file path=ppt/ink/ink13.xml><?xml version="1.0" encoding="utf-8"?>
+<inkml:ink xmlns:inkml="http://www.w3.org/2003/InkML">
+  <inkml:definitions>
+    <inkml:context xml:id="ctx0">
+      <inkml:inkSource xml:id="inkSrc0">
+        <inkml:traceFormat>
+          <inkml:channel name="X" type="integer" min="-2.14748E9" max="2.14748E9" units="cm"/>
+          <inkml:channel name="Y" type="integer" min="-2.14748E9" max="2.14748E9" units="cm"/>
+          <inkml:channel name="F" type="integer" max="32767" units="dev"/>
+        </inkml:traceFormat>
+        <inkml:channelProperties>
+          <inkml:channelProperty channel="X" name="resolution" value="1000" units="1/cm"/>
+          <inkml:channelProperty channel="Y" name="resolution" value="1000" units="1/cm"/>
+          <inkml:channelProperty channel="F" name="resolution" value="0" units="1/dev"/>
+        </inkml:channelProperties>
+      </inkml:inkSource>
+      <inkml:timestamp xml:id="ts0" timeString="2025-05-10T23:57:14.288"/>
+    </inkml:context>
+    <inkml:brush xml:id="br0">
+      <inkml:brushProperty name="width" value="0.1" units="cm"/>
+      <inkml:brushProperty name="height" value="0.1" units="cm"/>
+      <inkml:brushProperty name="color" value="#E71224"/>
+    </inkml:brush>
+  </inkml:definitions>
+  <inkml:trace contextRef="#ctx0" brushRef="#br0">106 0 24575,'-3'0'0,"0"1"0,0-1 0,0 0 0,0 1 0,0 0 0,0-1 0,0 1 0,0 0 0,0 1 0,0-1 0,1 0 0,-1 1 0,1 0 0,-1-1 0,-3 5 0,2-2 0,0 0 0,0 1 0,1 0 0,0-1 0,0 1 0,0 0 0,-4 10 0,1 4 0,1-1 0,0 1 0,2-1 0,-2 23 0,4-26 0,1 0 0,0 0 0,1 1 0,1-1 0,0 0 0,1 0 0,1 0 0,0-1 0,1 1 0,0-1 0,2 0 0,-1 0 0,2-1 0,10 16 0,2 2 0,-10-15 0,0 0 0,22 24 0,-28-35 0,1-1 0,-1 0 0,1 0 0,0 0 0,1-1 0,-1 1 0,1-1 0,-1 0 0,1-1 0,0 0 0,0 0 0,7 2 0,-9-3 0,1 0 0,0 0 0,-1-1 0,1 1 0,0-1 0,0 0 0,0 0 0,-1-1 0,1 0 0,0 1 0,0-2 0,8-2 0,-9 2 0,-1 0 0,1-1 0,0 1 0,-1-1 0,0 0 0,0 1 0,0-2 0,0 1 0,0 0 0,0-1 0,-1 1 0,0-1 0,1 0 0,1-6 0,2-4 0,-2 0 0,1-1 0,-2 0 0,0 0 0,-1 0 0,0 0 0,-1 0 0,-1-1 0,-1 1 0,0 0 0,-1 0 0,0 0 0,-1 0 0,-1 0 0,0 0 0,-9-19 0,5 20 0,0 0 0,-1 1 0,0 0 0,-1 0 0,0 1 0,-1 1 0,-1-1 0,1 2 0,-2 0 0,0 0 0,0 1 0,-20-10 0,-4-11-1365</inkml:trace>
+</inkml:ink>
+</file>
+
+<file path=ppt/ink/ink14.xml><?xml version="1.0" encoding="utf-8"?>
+<inkml:ink xmlns:inkml="http://www.w3.org/2003/InkML">
+  <inkml:definitions>
+    <inkml:context xml:id="ctx0">
+      <inkml:inkSource xml:id="inkSrc0">
+        <inkml:traceFormat>
+          <inkml:channel name="X" type="integer" min="-2.14748E9" max="2.14748E9" units="cm"/>
+          <inkml:channel name="Y" type="integer" min="-2.14748E9" max="2.14748E9" units="cm"/>
+          <inkml:channel name="F" type="integer" max="32767" units="dev"/>
+        </inkml:traceFormat>
+        <inkml:channelProperties>
+          <inkml:channelProperty channel="X" name="resolution" value="1000" units="1/cm"/>
+          <inkml:channelProperty channel="Y" name="resolution" value="1000" units="1/cm"/>
+          <inkml:channelProperty channel="F" name="resolution" value="0" units="1/dev"/>
+        </inkml:channelProperties>
+      </inkml:inkSource>
+      <inkml:timestamp xml:id="ts0" timeString="2025-05-10T23:57:15.414"/>
+    </inkml:context>
+    <inkml:brush xml:id="br0">
+      <inkml:brushProperty name="width" value="0.1" units="cm"/>
+      <inkml:brushProperty name="height" value="0.1" units="cm"/>
+      <inkml:brushProperty name="color" value="#E71224"/>
+    </inkml:brush>
+  </inkml:definitions>
+  <inkml:trace contextRef="#ctx0" brushRef="#br0">15 87 24575,'-13'37'0,"12"-35"0,1 0 0,0-1 0,-1 1 0,1 0 0,0-1 0,0 1 0,0 0 0,0-1 0,0 1 0,1 0 0,-1-1 0,0 1 0,1 0 0,0-1 0,-1 1 0,1-1 0,0 1 0,-1-1 0,1 1 0,0-1 0,0 0 0,0 1 0,1-1 0,-1 0 0,0 0 0,0 1 0,1-1 0,-1 0 0,2 1 0,0-2 0,-1 1 0,0 0 0,0-1 0,1 1 0,-1-1 0,0 1 0,1-1 0,-1 0 0,0 0 0,1-1 0,-1 1 0,0 0 0,1-1 0,-1 1 0,0-1 0,0 0 0,1 1 0,-1-1 0,0 0 0,0-1 0,3-1 0,-3 2 14,0-1 0,1 0-1,-1 0 1,0 0 0,0-1-1,0 1 1,0 0-1,0-1 1,0 1 0,-1-1-1,0 0 1,1 1 0,-1-1-1,0 0 1,0 0 0,0 0-1,-1 0 1,1 0 0,-1 0-1,1 0 1,-1 0 0,0 0-1,0 0 1,-1-4 0,-1-6-356,-1 1 1,0-1 0,0 1-1,-8-16 1,5 12-6485</inkml:trace>
+</inkml:ink>
+</file>
+
+<file path=ppt/ink/ink15.xml><?xml version="1.0" encoding="utf-8"?>
+<inkml:ink xmlns:inkml="http://www.w3.org/2003/InkML">
+  <inkml:definitions>
+    <inkml:context xml:id="ctx0">
+      <inkml:inkSource xml:id="inkSrc0">
+        <inkml:traceFormat>
+          <inkml:channel name="X" type="integer" min="-2.14748E9" max="2.14748E9" units="cm"/>
+          <inkml:channel name="Y" type="integer" min="-2.14748E9" max="2.14748E9" units="cm"/>
+          <inkml:channel name="F" type="integer" max="32767" units="dev"/>
+        </inkml:traceFormat>
+        <inkml:channelProperties>
+          <inkml:channelProperty channel="X" name="resolution" value="1000" units="1/cm"/>
+          <inkml:channelProperty channel="Y" name="resolution" value="1000" units="1/cm"/>
+          <inkml:channelProperty channel="F" name="resolution" value="0" units="1/dev"/>
+        </inkml:channelProperties>
+      </inkml:inkSource>
+      <inkml:timestamp xml:id="ts0" timeString="2025-05-10T23:57:16.208"/>
+    </inkml:context>
+    <inkml:brush xml:id="br0">
+      <inkml:brushProperty name="width" value="0.1" units="cm"/>
+      <inkml:brushProperty name="height" value="0.1" units="cm"/>
+      <inkml:brushProperty name="color" value="#E71224"/>
+    </inkml:brush>
+  </inkml:definitions>
+  <inkml:trace contextRef="#ctx0" brushRef="#br0">369 1 24575,'-3'3'0,"-7"4"0,-2 7 0,-5 10 0,-5 12 0,-8 7 0,-2 8 0,-2 1 0,2 4 0,4-5 0,0-1 0,3-2 0,-2-1 0,5-4 0,5-6 0,4-3 0,3-4 0,3-8-8191</inkml:trace>
+</inkml:ink>
+</file>
+
+<file path=ppt/ink/ink16.xml><?xml version="1.0" encoding="utf-8"?>
+<inkml:ink xmlns:inkml="http://www.w3.org/2003/InkML">
+  <inkml:definitions>
+    <inkml:context xml:id="ctx0">
+      <inkml:inkSource xml:id="inkSrc0">
+        <inkml:traceFormat>
+          <inkml:channel name="X" type="integer" min="-2.14748E9" max="2.14748E9" units="cm"/>
+          <inkml:channel name="Y" type="integer" min="-2.14748E9" max="2.14748E9" units="cm"/>
+          <inkml:channel name="F" type="integer" max="32767" units="dev"/>
+        </inkml:traceFormat>
+        <inkml:channelProperties>
+          <inkml:channelProperty channel="X" name="resolution" value="1000" units="1/cm"/>
+          <inkml:channelProperty channel="Y" name="resolution" value="1000" units="1/cm"/>
+          <inkml:channelProperty channel="F" name="resolution" value="0" units="1/dev"/>
+        </inkml:channelProperties>
+      </inkml:inkSource>
+      <inkml:timestamp xml:id="ts0" timeString="2025-05-10T23:57:16.927"/>
+    </inkml:context>
+    <inkml:brush xml:id="br0">
+      <inkml:brushProperty name="width" value="0.1" units="cm"/>
+      <inkml:brushProperty name="height" value="0.1" units="cm"/>
+      <inkml:brushProperty name="color" value="#E71224"/>
+    </inkml:brush>
+  </inkml:definitions>
+  <inkml:trace contextRef="#ctx0" brushRef="#br0">0 1 24575,'0'3'0,"0"15"0,0-1 0,2 1 0,0 0 0,5 21 0,-6-35 0,-1-1 0,1 1 0,1-1 0,-1 0 0,0 0 0,1 0 0,-1 1 0,1-1 0,0-1 0,0 1 0,0 0 0,1 0 0,-1-1 0,1 1 0,-1-1 0,1 0 0,0 0 0,0 0 0,0 0 0,0 0 0,0-1 0,0 1 0,1-1 0,-1 0 0,0 0 0,1 0 0,-1 0 0,6 0 0,-6-1 0,0-1 0,0 1 0,0-1 0,0 1 0,0-1 0,1 0 0,-1 0 0,-1 0 0,1 0 0,0-1 0,0 1 0,0-1 0,-1 0 0,1 0 0,-1 0 0,1 0 0,-1 0 0,0-1 0,0 1 0,0 0 0,0-1 0,0 0 0,-1 1 0,1-1 0,-1 0 0,0 0 0,2-5 0,-2 5 0,1 0 0,-1 0 0,-1-1 0,1 1 0,0 0 0,-1-1 0,0 1 0,1 0 0,-1-1 0,-1 1 0,1 0 0,0-1 0,-1 1 0,0 0 0,1-1 0,-1 1 0,-1 0 0,1 0 0,0 0 0,-1 0 0,0 0 0,1 0 0,-1 0 0,0 1 0,-1-1 0,-2-2 0,-8-4-1365</inkml:trace>
+</inkml:ink>
+</file>
+
+<file path=ppt/ink/ink17.xml><?xml version="1.0" encoding="utf-8"?>
+<inkml:ink xmlns:inkml="http://www.w3.org/2003/InkML">
+  <inkml:definitions>
+    <inkml:context xml:id="ctx0">
+      <inkml:inkSource xml:id="inkSrc0">
+        <inkml:traceFormat>
+          <inkml:channel name="X" type="integer" min="-2.14748E9" max="2.14748E9" units="cm"/>
+          <inkml:channel name="Y" type="integer" min="-2.14748E9" max="2.14748E9" units="cm"/>
+          <inkml:channel name="F" type="integer" max="32767" units="dev"/>
+        </inkml:traceFormat>
+        <inkml:channelProperties>
+          <inkml:channelProperty channel="X" name="resolution" value="1000" units="1/cm"/>
+          <inkml:channelProperty channel="Y" name="resolution" value="1000" units="1/cm"/>
+          <inkml:channelProperty channel="F" name="resolution" value="0" units="1/dev"/>
+        </inkml:channelProperties>
+      </inkml:inkSource>
+      <inkml:timestamp xml:id="ts0" timeString="2025-05-10T23:57:18.098"/>
+    </inkml:context>
+    <inkml:brush xml:id="br0">
+      <inkml:brushProperty name="width" value="0.1" units="cm"/>
+      <inkml:brushProperty name="height" value="0.1" units="cm"/>
+      <inkml:brushProperty name="color" value="#E71224"/>
+    </inkml:brush>
+  </inkml:definitions>
+  <inkml:trace contextRef="#ctx0" brushRef="#br0">267 0 24575,'-4'6'0,"0"-1"0,1 1 0,-1 0 0,2 0 0,-1 0 0,1 1 0,0-1 0,0 1 0,-2 11 0,-3 9 0,-68 205 0,-12 40 0,64-188 0,-15 108 0,34-162-1365,2-6-5461</inkml:trace>
+</inkml:ink>
+</file>
+
+<file path=ppt/ink/ink18.xml><?xml version="1.0" encoding="utf-8"?>
+<inkml:ink xmlns:inkml="http://www.w3.org/2003/InkML">
+  <inkml:definitions>
+    <inkml:context xml:id="ctx0">
+      <inkml:inkSource xml:id="inkSrc0">
+        <inkml:traceFormat>
+          <inkml:channel name="X" type="integer" min="-2.14748E9" max="2.14748E9" units="cm"/>
+          <inkml:channel name="Y" type="integer" min="-2.14748E9" max="2.14748E9" units="cm"/>
+          <inkml:channel name="F" type="integer" max="32767" units="dev"/>
+        </inkml:traceFormat>
+        <inkml:channelProperties>
+          <inkml:channelProperty channel="X" name="resolution" value="1000" units="1/cm"/>
+          <inkml:channelProperty channel="Y" name="resolution" value="1000" units="1/cm"/>
+          <inkml:channelProperty channel="F" name="resolution" value="0" units="1/dev"/>
+        </inkml:channelProperties>
+      </inkml:inkSource>
+      <inkml:timestamp xml:id="ts0" timeString="2025-05-10T23:57:18.957"/>
+    </inkml:context>
+    <inkml:brush xml:id="br0">
+      <inkml:brushProperty name="width" value="0.1" units="cm"/>
+      <inkml:brushProperty name="height" value="0.1" units="cm"/>
+      <inkml:brushProperty name="color" value="#E71224"/>
+    </inkml:brush>
+  </inkml:definitions>
+  <inkml:trace contextRef="#ctx0" brushRef="#br0">1 1 24575,'0'3'0,"0"4"0,0 6 0,0 5 0,0 5 0,3-2 0,4 2 0,4 0 0,3-4 0,-1-2 0,0-4 0,1-5 0,2-2 0,0-4 0,4-1 0,1-2 0</inkml:trace>
+</inkml:ink>
+</file>
+
+<file path=ppt/ink/ink19.xml><?xml version="1.0" encoding="utf-8"?>
+<inkml:ink xmlns:inkml="http://www.w3.org/2003/InkML">
+  <inkml:definitions>
+    <inkml:context xml:id="ctx0">
+      <inkml:inkSource xml:id="inkSrc0">
+        <inkml:traceFormat>
+          <inkml:channel name="X" type="integer" min="-2.14748E9" max="2.14748E9" units="cm"/>
+          <inkml:channel name="Y" type="integer" min="-2.14748E9" max="2.14748E9" units="cm"/>
+          <inkml:channel name="F" type="integer" max="32767" units="dev"/>
+        </inkml:traceFormat>
+        <inkml:channelProperties>
+          <inkml:channelProperty channel="X" name="resolution" value="1000" units="1/cm"/>
+          <inkml:channelProperty channel="Y" name="resolution" value="1000" units="1/cm"/>
+          <inkml:channelProperty channel="F" name="resolution" value="0" units="1/dev"/>
+        </inkml:channelProperties>
+      </inkml:inkSource>
+      <inkml:timestamp xml:id="ts0" timeString="2025-05-10T23:57:19.691"/>
+    </inkml:context>
+    <inkml:brush xml:id="br0">
+      <inkml:brushProperty name="width" value="0.1" units="cm"/>
+      <inkml:brushProperty name="height" value="0.1" units="cm"/>
+      <inkml:brushProperty name="color" value="#E71224"/>
+    </inkml:brush>
+  </inkml:definitions>
+  <inkml:trace contextRef="#ctx0" brushRef="#br0">65 0 24575,'-3'3'0,"-4"10"0,0 9 0,0 6 0,-2 11 0,2 5 0,1 0 0,2-3 0,1-1 0,2-3 0,0-3 0,1-3 0,1-5 0,-4-6 0,-1-4 0,1-1 0,3-1 0</inkml:trace>
+</inkml:ink>
+</file>
+
+<file path=ppt/ink/ink2.xml><?xml version="1.0" encoding="utf-8"?>
+<inkml:ink xmlns:inkml="http://www.w3.org/2003/InkML">
+  <inkml:definitions>
+    <inkml:context xml:id="ctx0">
+      <inkml:inkSource xml:id="inkSrc0">
+        <inkml:traceFormat>
+          <inkml:channel name="X" type="integer" min="-2.14748E9" max="2.14748E9" units="cm"/>
+          <inkml:channel name="Y" type="integer" min="-2.14748E9" max="2.14748E9" units="cm"/>
+          <inkml:channel name="F" type="integer" max="32767" units="dev"/>
+        </inkml:traceFormat>
+        <inkml:channelProperties>
+          <inkml:channelProperty channel="X" name="resolution" value="1000" units="1/cm"/>
+          <inkml:channelProperty channel="Y" name="resolution" value="1000" units="1/cm"/>
+          <inkml:channelProperty channel="F" name="resolution" value="0" units="1/dev"/>
+        </inkml:channelProperties>
+      </inkml:inkSource>
+      <inkml:timestamp xml:id="ts0" timeString="2025-05-10T23:54:14.664"/>
+    </inkml:context>
+    <inkml:brush xml:id="br0">
+      <inkml:brushProperty name="width" value="0.1" units="cm"/>
+      <inkml:brushProperty name="height" value="0.1" units="cm"/>
+      <inkml:brushProperty name="color" value="#E71224"/>
+    </inkml:brush>
+  </inkml:definitions>
+  <inkml:trace contextRef="#ctx0" brushRef="#br0">21 84 24575,'1'-3'0,"-1"0"0,1 0 0,0 0 0,0 1 0,0-1 0,1 0 0,-1 0 0,1 1 0,-1-1 0,1 1 0,0-1 0,0 1 0,0 0 0,0 0 0,0 0 0,1 0 0,-1 0 0,1 0 0,-1 1 0,1-1 0,0 1 0,3-2 0,6-3 0,1 0 0,0 1 0,20-4 0,-29 8 0,0 0 0,0 0 0,0 1 0,0 0 0,1 0 0,-1 0 0,0 0 0,0 0 0,1 1 0,-1 0 0,0 0 0,0 0 0,7 4 0,-5-2 0,0 0 0,-1 1 0,1 0 0,-1 0 0,0 0 0,0 0 0,0 1 0,5 6 0,-2 1 0,1 0 0,-2 0 0,0 1 0,0 0 0,-1 0 0,0 1 0,5 21 0,-8-16 0,0 1 0,-1-1 0,-2 0 0,-1 33 0,-1-7 0,1-36 0,0-1 0,0 1 0,-1-1 0,0 1 0,0-1 0,-1 0 0,-1 0 0,1 0 0,-1 0 0,0-1 0,-7 9 0,-4 5 0,-1-1 0,-27 27 0,19-25 0,0-1 0,-40 27 0,61-46 0,0 0 0,-1 0 0,0-1 0,1 1 0,-1-1 0,0 1 0,0-1 0,0 0 0,0-1 0,0 1 0,0-1 0,-6 0 0,8 0 0,0 0 0,0 0 0,1-1 0,-1 1 0,0 0 0,1-1 0,-1 0 0,0 1 0,1-1 0,-1 0 0,1 0 0,-1 0 0,1 0 0,0 0 0,-1 0 0,1 0 0,0 0 0,-1-1 0,1 1 0,0 0 0,0-1 0,0 1 0,1-1 0,-1 1 0,0-1 0,0 0 0,1 1 0,-1-1 0,1 0 0,-1-2 0,0-3 0,0 1 0,1 0 0,0-1 0,0 1 0,0-1 0,1 1 0,0 0 0,0-1 0,0 1 0,1 0 0,0 0 0,6-11 0,-7 13 0,2 1 0,-1-1 0,0 1 0,1 0 0,-1 0 0,1 0 0,0 0 0,0 0 0,0 1 0,0-1 0,1 1 0,-1 0 0,1 0 0,-1 0 0,1 0 0,0 1 0,0-1 0,-1 1 0,1 0 0,0 0 0,7 0 0,6-1 0,-1 1 0,1 0 0,0 1 0,0 1 0,0 1 0,-1 0 0,18 6 0,-25-4 0,0 1 0,0 0 0,-1 1 0,0-1 0,0 2 0,-1-1 0,9 11 0,17 13 0,-26-25 0,0 1 0,0 0 0,-1 1 0,0 0 0,0 0 0,0 0 0,-1 0 0,0 1 0,-1 0 0,7 16 0,-9-20-227,0 0-1,0 1 1,0-1-1,0 0 1,4 5-1</inkml:trace>
+</inkml:ink>
+</file>
+
+<file path=ppt/ink/ink20.xml><?xml version="1.0" encoding="utf-8"?>
+<inkml:ink xmlns:inkml="http://www.w3.org/2003/InkML">
+  <inkml:definitions>
+    <inkml:context xml:id="ctx0">
+      <inkml:inkSource xml:id="inkSrc0">
+        <inkml:traceFormat>
+          <inkml:channel name="X" type="integer" min="-2.14748E9" max="2.14748E9" units="cm"/>
+          <inkml:channel name="Y" type="integer" min="-2.14748E9" max="2.14748E9" units="cm"/>
+          <inkml:channel name="F" type="integer" max="32767" units="dev"/>
+        </inkml:traceFormat>
+        <inkml:channelProperties>
+          <inkml:channelProperty channel="X" name="resolution" value="1000" units="1/cm"/>
+          <inkml:channelProperty channel="Y" name="resolution" value="1000" units="1/cm"/>
+          <inkml:channelProperty channel="F" name="resolution" value="0" units="1/dev"/>
+        </inkml:channelProperties>
+      </inkml:inkSource>
+      <inkml:timestamp xml:id="ts0" timeString="2025-05-10T23:57:21.103"/>
+    </inkml:context>
+    <inkml:brush xml:id="br0">
+      <inkml:brushProperty name="width" value="0.1" units="cm"/>
+      <inkml:brushProperty name="height" value="0.1" units="cm"/>
+      <inkml:brushProperty name="color" value="#E71224"/>
+    </inkml:brush>
+  </inkml:definitions>
+  <inkml:trace contextRef="#ctx0" brushRef="#br0">54 89 24575,'-3'56'0,"-3"0"0,-18 79 0,23-133 0,1-14 0,0-1 0,-1 1 0,-6-23 0,-2-28 0,8 49 0,0 1 0,0 0 0,1-1 0,3-18 0,-3 29 0,1-1 0,-1 1 0,1 0 0,0-1 0,1 1 0,-1 0 0,1-1 0,-1 1 0,1 0 0,0 0 0,0 0 0,0 0 0,1 1 0,-1-1 0,0 1 0,1-1 0,5-3 0,19-13 0,-22 15 0,0-1 0,1 1 0,-1 1 0,1-1 0,0 1 0,0 0 0,0 0 0,0 1 0,1 0 0,-1 0 0,1 0 0,8 0 0,-6 2-105,0 0 0,0 1 0,0 0 0,0 1 0,0 0 0,-1 0 0,1 1 0,0 0 0,-1 1 0,0-1 0,0 2 0,12 7 0</inkml:trace>
+</inkml:ink>
+</file>
+
+<file path=ppt/ink/ink21.xml><?xml version="1.0" encoding="utf-8"?>
+<inkml:ink xmlns:inkml="http://www.w3.org/2003/InkML">
+  <inkml:definitions>
+    <inkml:context xml:id="ctx0">
+      <inkml:inkSource xml:id="inkSrc0">
+        <inkml:traceFormat>
+          <inkml:channel name="X" type="integer" min="-2.14748E9" max="2.14748E9" units="cm"/>
+          <inkml:channel name="Y" type="integer" min="-2.14748E9" max="2.14748E9" units="cm"/>
+          <inkml:channel name="F" type="integer" max="32767" units="dev"/>
+        </inkml:traceFormat>
+        <inkml:channelProperties>
+          <inkml:channelProperty channel="X" name="resolution" value="1000" units="1/cm"/>
+          <inkml:channelProperty channel="Y" name="resolution" value="1000" units="1/cm"/>
+          <inkml:channelProperty channel="F" name="resolution" value="0" units="1/dev"/>
+        </inkml:channelProperties>
+      </inkml:inkSource>
+      <inkml:timestamp xml:id="ts0" timeString="2025-05-10T23:57:21.760"/>
+    </inkml:context>
+    <inkml:brush xml:id="br0">
+      <inkml:brushProperty name="width" value="0.1" units="cm"/>
+      <inkml:brushProperty name="height" value="0.1" units="cm"/>
+      <inkml:brushProperty name="color" value="#E71224"/>
+    </inkml:brush>
+  </inkml:definitions>
+  <inkml:trace contextRef="#ctx0" brushRef="#br0">8 0 24575,'0'3'0,"-3"1"0,-1 3 0</inkml:trace>
+</inkml:ink>
+</file>
+
+<file path=ppt/ink/ink22.xml><?xml version="1.0" encoding="utf-8"?>
+<inkml:ink xmlns:inkml="http://www.w3.org/2003/InkML">
+  <inkml:definitions>
+    <inkml:context xml:id="ctx0">
+      <inkml:inkSource xml:id="inkSrc0">
+        <inkml:traceFormat>
+          <inkml:channel name="X" type="integer" min="-2.14748E9" max="2.14748E9" units="cm"/>
+          <inkml:channel name="Y" type="integer" min="-2.14748E9" max="2.14748E9" units="cm"/>
+          <inkml:channel name="F" type="integer" max="32767" units="dev"/>
+        </inkml:traceFormat>
+        <inkml:channelProperties>
+          <inkml:channelProperty channel="X" name="resolution" value="1000" units="1/cm"/>
+          <inkml:channelProperty channel="Y" name="resolution" value="1000" units="1/cm"/>
+          <inkml:channelProperty channel="F" name="resolution" value="0" units="1/dev"/>
+        </inkml:channelProperties>
+      </inkml:inkSource>
+      <inkml:timestamp xml:id="ts0" timeString="2025-05-11T00:08:21.305"/>
+    </inkml:context>
+    <inkml:brush xml:id="br0">
+      <inkml:brushProperty name="width" value="0.1" units="cm"/>
+      <inkml:brushProperty name="height" value="0.1" units="cm"/>
+      <inkml:brushProperty name="color" value="#E71224"/>
+    </inkml:brush>
+  </inkml:definitions>
+  <inkml:trace contextRef="#ctx0" brushRef="#br0">1 48 24575,'0'-2'0,"1"1"0,0-1 0,0 1 0,0 0 0,0 0 0,0-1 0,0 1 0,0 0 0,0 0 0,1 0 0,-1 0 0,0 0 0,1 1 0,1-2 0,22-11 0,-13 9 0,0 0 0,0 2 0,0-1 0,0 2 0,0 0 0,0 0 0,1 1 0,21 2 0,4 0 0,-32-2 0,-1 0 0,0 0 0,0 1 0,0 0 0,0 0 0,0 0 0,0 0 0,0 1 0,0 0 0,0 0 0,-1 1 0,1-1 0,-1 1 0,1 0 0,-1 0 0,0 0 0,0 1 0,-1-1 0,1 1 0,-1 0 0,0 0 0,0 0 0,0 0 0,0 1 0,-1-1 0,1 1 0,-1 0 0,0 0 0,-1 0 0,3 9 0,11 29 0,-12-36 0,0 1 0,0 0 0,0 0 0,-1 0 0,-1 0 0,2 16 0,-3 1 0,-1 0 0,-1 0 0,-2-1 0,-10 42 0,10-56 0,-1 1 0,0-1 0,-1 0 0,0 0 0,-1 0 0,0-1 0,0 0 0,-16 15 0,12-13 0,0 1 0,1 0 0,-15 24 0,21-26-90,0 0-1,0 0 1,1 0-1,0 0 1,1 0 0,0 1-1,1-1 1,0 1-1,1-1 1,1 21-1,0-23-279</inkml:trace>
+</inkml:ink>
+</file>
+
+<file path=ppt/ink/ink23.xml><?xml version="1.0" encoding="utf-8"?>
+<inkml:ink xmlns:inkml="http://www.w3.org/2003/InkML">
+  <inkml:definitions>
+    <inkml:context xml:id="ctx0">
+      <inkml:inkSource xml:id="inkSrc0">
+        <inkml:traceFormat>
+          <inkml:channel name="X" type="integer" min="-2.14748E9" max="2.14748E9" units="cm"/>
+          <inkml:channel name="Y" type="integer" min="-2.14748E9" max="2.14748E9" units="cm"/>
+          <inkml:channel name="F" type="integer" max="32767" units="dev"/>
+        </inkml:traceFormat>
+        <inkml:channelProperties>
+          <inkml:channelProperty channel="X" name="resolution" value="1000" units="1/cm"/>
+          <inkml:channelProperty channel="Y" name="resolution" value="1000" units="1/cm"/>
+          <inkml:channelProperty channel="F" name="resolution" value="0" units="1/dev"/>
+        </inkml:channelProperties>
+      </inkml:inkSource>
+      <inkml:timestamp xml:id="ts0" timeString="2025-05-11T00:08:22.332"/>
+    </inkml:context>
+    <inkml:brush xml:id="br0">
+      <inkml:brushProperty name="width" value="0.1" units="cm"/>
+      <inkml:brushProperty name="height" value="0.1" units="cm"/>
+      <inkml:brushProperty name="color" value="#E71224"/>
+    </inkml:brush>
+  </inkml:definitions>
+  <inkml:trace contextRef="#ctx0" brushRef="#br0">0 1 24575,'0'2'0,"0"4"0,2 0 0,2 2 0,-1 2 0,-1 1 0,2 0 0,1-1 0,-2 1 0</inkml:trace>
+</inkml:ink>
+</file>
+
+<file path=ppt/ink/ink24.xml><?xml version="1.0" encoding="utf-8"?>
+<inkml:ink xmlns:inkml="http://www.w3.org/2003/InkML">
+  <inkml:definitions>
+    <inkml:context xml:id="ctx0">
+      <inkml:inkSource xml:id="inkSrc0">
+        <inkml:traceFormat>
+          <inkml:channel name="X" type="integer" min="-2.14748E9" max="2.14748E9" units="cm"/>
+          <inkml:channel name="Y" type="integer" min="-2.14748E9" max="2.14748E9" units="cm"/>
+          <inkml:channel name="F" type="integer" max="32767" units="dev"/>
+        </inkml:traceFormat>
+        <inkml:channelProperties>
+          <inkml:channelProperty channel="X" name="resolution" value="1000" units="1/cm"/>
+          <inkml:channelProperty channel="Y" name="resolution" value="1000" units="1/cm"/>
+          <inkml:channelProperty channel="F" name="resolution" value="0" units="1/dev"/>
+        </inkml:channelProperties>
+      </inkml:inkSource>
+      <inkml:timestamp xml:id="ts0" timeString="2025-05-11T00:08:43.082"/>
+    </inkml:context>
+    <inkml:brush xml:id="br0">
+      <inkml:brushProperty name="width" value="0.1" units="cm"/>
+      <inkml:brushProperty name="height" value="0.1" units="cm"/>
+      <inkml:brushProperty name="color" value="#0070C0"/>
+    </inkml:brush>
+  </inkml:definitions>
+  <inkml:trace contextRef="#ctx0" brushRef="#br0">0 3 24575,'116'-2'0,"124"4"0,-149 11 0,-61-7 0,47 3 0,88-10 0,44 2 0,4 19 0,106 3 0,-44-13 0,25-5 0,-171-7 0,1201 2 0,-1098 15 0,8-1 0,-103-16 0,268 9 0,-262 10 0,-66-6 0,88-1 0,1262-11 0,-1274 8 0,6 0 0,158 1 0,-29 0 0,-33-2 0,155 11 0,-50-5 0,22 2 0,110 2 0,-355-12 0,-56-3 0,1 3 0,83 15 0,-110-10 0,94 3 0,58-13 0,-78-1 0,975 2 0,-949 7 0,-13 1 0,62-1 0,29 0 0,-66 0 0,-19 0 0,-6 0 0,10 0 0,357 16 0,-113-4 0,-244-20 0,259 2 0,109 27 0,-365-14 0,31 1 0,-64-15 0,172 8 0,-114-2 0,15 2 0,26 9 0,-33-6 0,163 9 0,-317-19 0,-1 2 0,34 7 0,-33-4 0,-1-1 0,37-1 0,-27-4 0,229 8 0,-45 8 0,-84-11 0,-86-5 0,85 12 0,-78-5 0,101-1 0,-59-4 0,95 12 0,-68-7 0,16 0 0,-7-8 0,156 2 0,-212 5 0,77 2 0,753-8 0,-878 2 0,62 10 0,-60-5 0,53 1 0,-26-8 0,-1 0 0,124 15 0,-150-10 0,64 0 0,-25-2 0,26 10 0,-67-6 0,48 1 0,218 17 0,-259-21 0,86-4 0,-56-1 0,131 11 0,74-5 0,-160-6 0,-80 0 0,196 10 0,-32 8 0,69 1 0,-201-12 0,47 2 0,-27-9 0,4-1 0,105 13 0,-76 8 0,32 3 0,-123-22 0,-34 0 0,0 0 0,0 0 0,0 0 0,1 0 0,-1 0 0,0 0 0,0 0 0,0 0 0,1 0 0,-1 0 0,0 0 0,0 0 0,0 0 0,1 0 0,-1 0 0,0 0 0,0 0 0,0 0 0,0 0 0,1 0 0,-1 0 0,0-1 0,0 1 0,0 0 0,0 0 0,1 0 0,-1 0 0,0 0 0,0-1 0,0 1 0,0 0 0,0 0 0,0 0 0,0 0 0,0-1 0,0 1 0,0 0 0,1 0 0,-1-1 0,-16-7 0,-20-4-455,0 2 0,-43-5 0,28 6-6371</inkml:trace>
+</inkml:ink>
+</file>
+
+<file path=ppt/ink/ink25.xml><?xml version="1.0" encoding="utf-8"?>
+<inkml:ink xmlns:inkml="http://www.w3.org/2003/InkML">
+  <inkml:definitions>
+    <inkml:context xml:id="ctx0">
+      <inkml:inkSource xml:id="inkSrc0">
+        <inkml:traceFormat>
+          <inkml:channel name="X" type="integer" min="-2.14748E9" max="2.14748E9" units="cm"/>
+          <inkml:channel name="Y" type="integer" min="-2.14748E9" max="2.14748E9" units="cm"/>
+          <inkml:channel name="F" type="integer" max="32767" units="dev"/>
+        </inkml:traceFormat>
+        <inkml:channelProperties>
+          <inkml:channelProperty channel="X" name="resolution" value="1000" units="1/cm"/>
+          <inkml:channelProperty channel="Y" name="resolution" value="1000" units="1/cm"/>
+          <inkml:channelProperty channel="F" name="resolution" value="0" units="1/dev"/>
+        </inkml:channelProperties>
+      </inkml:inkSource>
+      <inkml:timestamp xml:id="ts0" timeString="2025-05-11T00:08:53.739"/>
+    </inkml:context>
+    <inkml:brush xml:id="br0">
+      <inkml:brushProperty name="width" value="0.1" units="cm"/>
+      <inkml:brushProperty name="height" value="0.1" units="cm"/>
+      <inkml:brushProperty name="color" value="#0070C0"/>
+    </inkml:brush>
+  </inkml:definitions>
+  <inkml:trace contextRef="#ctx0" brushRef="#br0">72 0 24575,'29'26'0,"26"16"0,97 56 0,70 20 0,-215-114 0,-6-4 0,0 1 0,0-1 0,0 1 0,1 0 0,-1 0 0,0-1 0,0 1 0,0 0 0,0 0 0,0 0 0,0 0 0,1 2 0,-2-2 0,0-1 0,0 1 0,0-1 0,0 0 0,0 1 0,0-1 0,0 1 0,0-1 0,0 1 0,0-1 0,0 0 0,0 1 0,0-1 0,0 1 0,0-1 0,0 1 0,0-1 0,-1 0 0,1 1 0,0-1 0,0 1 0,0-1 0,-1 0 0,1 1 0,-1 0 0,-2 2 0,-1-1 0,0 1 0,0 0 0,0-1 0,0 0 0,-5 2 0,-6 3 0,-90 49 143,-260 150-1651,334-186-5318</inkml:trace>
+</inkml:ink>
+</file>
+
+<file path=ppt/ink/ink26.xml><?xml version="1.0" encoding="utf-8"?>
+<inkml:ink xmlns:inkml="http://www.w3.org/2003/InkML">
+  <inkml:definitions>
+    <inkml:context xml:id="ctx0">
+      <inkml:inkSource xml:id="inkSrc0">
+        <inkml:traceFormat>
+          <inkml:channel name="X" type="integer" min="-2.14748E9" max="2.14748E9" units="cm"/>
+          <inkml:channel name="Y" type="integer" min="-2.14748E9" max="2.14748E9" units="cm"/>
+          <inkml:channel name="F" type="integer" max="32767" units="dev"/>
+        </inkml:traceFormat>
+        <inkml:channelProperties>
+          <inkml:channelProperty channel="X" name="resolution" value="1000" units="1/cm"/>
+          <inkml:channelProperty channel="Y" name="resolution" value="1000" units="1/cm"/>
+          <inkml:channelProperty channel="F" name="resolution" value="0" units="1/dev"/>
+        </inkml:channelProperties>
+      </inkml:inkSource>
+      <inkml:timestamp xml:id="ts0" timeString="2025-05-11T00:08:59.956"/>
+    </inkml:context>
+    <inkml:brush xml:id="br0">
+      <inkml:brushProperty name="width" value="0.1" units="cm"/>
+      <inkml:brushProperty name="height" value="0.1" units="cm"/>
+      <inkml:brushProperty name="color" value="#0070C0"/>
+    </inkml:brush>
+  </inkml:definitions>
+  <inkml:trace contextRef="#ctx0" brushRef="#br0">1 1 24575,'30'2'0,"0"1"0,-1 2 0,40 11 0,3 0 0,190 25 0,-159-19 0,-44-8 0,108 10 0,-143-21 0,1 1 0,-1 2 0,45 15 0,-44-12 0,0-2 0,0 0 0,37 4 0,-35-9 0,67 5 0,155 33 0,-134-18 0,163 12 0,-152-22 0,119 22 0,156 21 0,-139-22 0,56 39 0,-231-49 0,102 35 0,-82-23 0,-30-12 0,-1 4 0,120 60 0,-164-73 0,-1-1 0,2-1 0,0-2 0,44 9 0,18 4 0,424 97 0,-420-101 0,273 35 0,32 7 0,91 29 0,-450-82 0,44 15 0,26 5 0,333 36 0,-335-50 0,58 9 0,39 16 0,-125-24 0,134 5 0,16 1 0,-19 22 0,139 29 0,-196-42 0,303 72 0,-326-70 0,-9-4 0,77 19 0,-34-10 0,-85-20 0,98 11 0,32 8 0,-146-20 0,0-2 0,1-3 0,1-4 0,71-1 0,-108-5 0,0 1 0,54 11 0,65 23 0,-13-2 0,2-18 0,-97-12 0,67 12 0,4 11 0,218 22 0,-282-44 0,-1 3 0,69 20 0,-65-14 0,93 12 0,171 18 0,-227-33 0,-61-8 0,1 1 0,52 14 0,13 7 0,190 23 0,-246-41 0,-2 2 0,43 15 0,47 11 0,97 13 0,27 4 0,-122-21 0,-17-3 0,65 18 0,54 15 0,-166-41 0,47 3 0,-79-18 0,66 20 0,-65-13-455,1-2 0,52 8 0</inkml:trace>
+</inkml:ink>
+</file>
+
+<file path=ppt/ink/ink27.xml><?xml version="1.0" encoding="utf-8"?>
+<inkml:ink xmlns:inkml="http://www.w3.org/2003/InkML">
+  <inkml:definitions>
+    <inkml:context xml:id="ctx0">
+      <inkml:inkSource xml:id="inkSrc0">
+        <inkml:traceFormat>
+          <inkml:channel name="X" type="integer" min="-2.14748E9" max="2.14748E9" units="cm"/>
+          <inkml:channel name="Y" type="integer" min="-2.14748E9" max="2.14748E9" units="cm"/>
+          <inkml:channel name="F" type="integer" max="32767" units="dev"/>
+        </inkml:traceFormat>
+        <inkml:channelProperties>
+          <inkml:channelProperty channel="X" name="resolution" value="1000" units="1/cm"/>
+          <inkml:channelProperty channel="Y" name="resolution" value="1000" units="1/cm"/>
+          <inkml:channelProperty channel="F" name="resolution" value="0" units="1/dev"/>
+        </inkml:channelProperties>
+      </inkml:inkSource>
+      <inkml:timestamp xml:id="ts0" timeString="2025-05-11T00:09:01.754"/>
+    </inkml:context>
+    <inkml:brush xml:id="br0">
+      <inkml:brushProperty name="width" value="0.1" units="cm"/>
+      <inkml:brushProperty name="height" value="0.1" units="cm"/>
+      <inkml:brushProperty name="color" value="#0070C0"/>
+    </inkml:brush>
+  </inkml:definitions>
+  <inkml:trace contextRef="#ctx0" brushRef="#br0">486 1 24575,'3'0'0,"1"1"0,-1 0 0,1 0 0,-1 1 0,0-1 0,1 1 0,-1 0 0,0 0 0,0 0 0,5 4 0,4 2 0,14 9 0,11 5 0,-1 2 0,49 42 0,-51-29 0,-24-26 0,0 0 0,12 11 0,-14-16 0,-1 0 0,0 1 0,0 0 0,0 0 0,-1 1 0,0 0 0,7 12 0,-13-20 0,0 1 0,0 0 0,0 0 0,0 0 0,-1 0 0,1 0 0,0-1 0,0 1 0,-1 0 0,1 0 0,-1 0 0,1-1 0,0 1 0,-1 0 0,1-1 0,-1 1 0,0 0 0,1-1 0,-1 1 0,1-1 0,-1 1 0,0-1 0,0 1 0,1-1 0,-1 1 0,0-1 0,0 0 0,0 1 0,-27 11 0,26-12 0,-39 12 0,-62 10 0,29-7 0,-365 71 0,305-58-1365,110-23-5461</inkml:trace>
+</inkml:ink>
+</file>
+
+<file path=ppt/ink/ink28.xml><?xml version="1.0" encoding="utf-8"?>
+<inkml:ink xmlns:inkml="http://www.w3.org/2003/InkML">
+  <inkml:definitions>
+    <inkml:context xml:id="ctx0">
+      <inkml:inkSource xml:id="inkSrc0">
+        <inkml:traceFormat>
+          <inkml:channel name="X" type="integer" min="-2.14748E9" max="2.14748E9" units="cm"/>
+          <inkml:channel name="Y" type="integer" min="-2.14748E9" max="2.14748E9" units="cm"/>
+          <inkml:channel name="F" type="integer" max="32767" units="dev"/>
+        </inkml:traceFormat>
+        <inkml:channelProperties>
+          <inkml:channelProperty channel="X" name="resolution" value="1000" units="1/cm"/>
+          <inkml:channelProperty channel="Y" name="resolution" value="1000" units="1/cm"/>
+          <inkml:channelProperty channel="F" name="resolution" value="0" units="1/dev"/>
+        </inkml:channelProperties>
+      </inkml:inkSource>
+      <inkml:timestamp xml:id="ts0" timeString="2025-05-11T00:09:55.145"/>
+    </inkml:context>
+    <inkml:brush xml:id="br0">
+      <inkml:brushProperty name="width" value="0.1" units="cm"/>
+      <inkml:brushProperty name="height" value="0.1" units="cm"/>
+      <inkml:brushProperty name="color" value="#00A0D7"/>
+    </inkml:brush>
+  </inkml:definitions>
+  <inkml:trace contextRef="#ctx0" brushRef="#br0">0 1 24575,'0'0'-8191</inkml:trace>
+</inkml:ink>
+</file>
+
+<file path=ppt/ink/ink3.xml><?xml version="1.0" encoding="utf-8"?>
+<inkml:ink xmlns:inkml="http://www.w3.org/2003/InkML">
+  <inkml:definitions>
+    <inkml:context xml:id="ctx0">
+      <inkml:inkSource xml:id="inkSrc0">
+        <inkml:traceFormat>
+          <inkml:channel name="X" type="integer" min="-2.14748E9" max="2.14748E9" units="cm"/>
+          <inkml:channel name="Y" type="integer" min="-2.14748E9" max="2.14748E9" units="cm"/>
+          <inkml:channel name="F" type="integer" max="32767" units="dev"/>
+        </inkml:traceFormat>
+        <inkml:channelProperties>
+          <inkml:channelProperty channel="X" name="resolution" value="1000" units="1/cm"/>
+          <inkml:channelProperty channel="Y" name="resolution" value="1000" units="1/cm"/>
+          <inkml:channelProperty channel="F" name="resolution" value="0" units="1/dev"/>
+        </inkml:channelProperties>
+      </inkml:inkSource>
+      <inkml:timestamp xml:id="ts0" timeString="2025-05-10T23:54:16.195"/>
+    </inkml:context>
+    <inkml:brush xml:id="br0">
+      <inkml:brushProperty name="width" value="0.1" units="cm"/>
+      <inkml:brushProperty name="height" value="0.1" units="cm"/>
+      <inkml:brushProperty name="color" value="#E71224"/>
+    </inkml:brush>
+  </inkml:definitions>
+  <inkml:trace contextRef="#ctx0" brushRef="#br0">53 29 24575,'-17'-5'0,"16"4"0,1 1 0,-1-1 0,0 1 0,1 0 0,-1-1 0,0 1 0,0-1 0,1 1 0,-1 0 0,0 0 0,0-1 0,1 1 0,-1 0 0,0 0 0,0 0 0,0 0 0,1 0 0,-1 0 0,0 0 0,0 0 0,0 0 0,1 0 0,-1 1 0,0-1 0,0 0 0,1 1 0,-1-1 0,0 0 0,1 1 0,-1-1 0,0 1 0,1-1 0,-1 1 0,0-1 0,1 1 0,-1-1 0,1 1 0,-1 0 0,1-1 0,-1 1 0,1 0 0,0-1 0,-1 1 0,1 0 0,0-1 0,-1 2 0,0 0 0,1 1 0,-1-1 0,0 0 0,1 1 0,-1-1 0,1 0 0,0 1 0,0-1 0,0 1 0,0-1 0,0 0 0,0 1 0,1-1 0,-1 0 0,1 1 0,0-1 0,-1 0 0,1 1 0,0-1 0,0 0 0,1 0 0,-1 0 0,0 0 0,1 0 0,-1 0 0,1-1 0,0 1 0,-1 0 0,1-1 0,3 2 0,-2 0 0,0-1 0,0 0 0,0-1 0,0 1 0,1-1 0,-1 1 0,1-1 0,-1 0 0,1 0 0,-1 0 0,1-1 0,-1 1 0,1-1 0,0 0 0,-1 0 0,1 0 0,0-1 0,-1 1 0,7-2 0,-8 1 12,0 0 1,0-1-1,-1 1 0,1 0 0,0-1 0,-1 1 1,1-1-1,-1 0 0,1 1 0,-1-1 0,0 0 1,1 0-1,-1 0 0,0 0 0,0 0 0,0 0 0,-1 0 1,1 0-1,-1 0 0,1 0 0,-1-1 0,1 1 1,-1 0-1,0 0 0,0 0 0,0-1 0,-1-3 1,1 2-108,-1 1 0,1-1 0,-1 1 0,1-1 1,-1 1-1,0-1 0,0 1 0,-1 0 0,1 0 0,-1 0 1,0-1-1,1 1 0,-1 1 0,0-1 0,-1 0 1,1 0-1,-3-2 0</inkml:trace>
+</inkml:ink>
+</file>
+
+<file path=ppt/ink/ink4.xml><?xml version="1.0" encoding="utf-8"?>
+<inkml:ink xmlns:inkml="http://www.w3.org/2003/InkML">
+  <inkml:definitions>
+    <inkml:context xml:id="ctx0">
+      <inkml:inkSource xml:id="inkSrc0">
+        <inkml:traceFormat>
+          <inkml:channel name="X" type="integer" min="-2.14748E9" max="2.14748E9" units="cm"/>
+          <inkml:channel name="Y" type="integer" min="-2.14748E9" max="2.14748E9" units="cm"/>
+          <inkml:channel name="F" type="integer" max="32767" units="dev"/>
+        </inkml:traceFormat>
+        <inkml:channelProperties>
+          <inkml:channelProperty channel="X" name="resolution" value="1000" units="1/cm"/>
+          <inkml:channelProperty channel="Y" name="resolution" value="1000" units="1/cm"/>
+          <inkml:channelProperty channel="F" name="resolution" value="0" units="1/dev"/>
+        </inkml:channelProperties>
+      </inkml:inkSource>
+      <inkml:timestamp xml:id="ts0" timeString="2025-05-10T23:54:23.675"/>
+    </inkml:context>
+    <inkml:brush xml:id="br0">
+      <inkml:brushProperty name="width" value="0.1" units="cm"/>
+      <inkml:brushProperty name="height" value="0.1" units="cm"/>
+      <inkml:brushProperty name="color" value="#E71224"/>
+    </inkml:brush>
+  </inkml:definitions>
+  <inkml:trace contextRef="#ctx0" brushRef="#br0">571 1 24575,'-3'3'0,"-7"7"0,-8 7 0,-7 8 0,-8 5 0,-7 9 0,-18 20 0,-6 5 0,0 4 0,2-1 0,5-2 0,9-13 0,10-9 0,8-9 0,10-10-8191</inkml:trace>
+</inkml:ink>
+</file>
+
+<file path=ppt/ink/ink5.xml><?xml version="1.0" encoding="utf-8"?>
+<inkml:ink xmlns:inkml="http://www.w3.org/2003/InkML">
+  <inkml:definitions>
+    <inkml:context xml:id="ctx0">
+      <inkml:inkSource xml:id="inkSrc0">
+        <inkml:traceFormat>
+          <inkml:channel name="X" type="integer" min="-2.14748E9" max="2.14748E9" units="cm"/>
+          <inkml:channel name="Y" type="integer" min="-2.14748E9" max="2.14748E9" units="cm"/>
+          <inkml:channel name="F" type="integer" max="32767" units="dev"/>
+        </inkml:traceFormat>
+        <inkml:channelProperties>
+          <inkml:channelProperty channel="X" name="resolution" value="1000" units="1/cm"/>
+          <inkml:channelProperty channel="Y" name="resolution" value="1000" units="1/cm"/>
+          <inkml:channelProperty channel="F" name="resolution" value="0" units="1/dev"/>
+        </inkml:channelProperties>
+      </inkml:inkSource>
+      <inkml:timestamp xml:id="ts0" timeString="2025-05-10T23:54:24.989"/>
+    </inkml:context>
+    <inkml:brush xml:id="br0">
+      <inkml:brushProperty name="width" value="0.1" units="cm"/>
+      <inkml:brushProperty name="height" value="0.1" units="cm"/>
+      <inkml:brushProperty name="color" value="#E71224"/>
+    </inkml:brush>
+  </inkml:definitions>
+  <inkml:trace contextRef="#ctx0" brushRef="#br0">37 1 24575,'-3'3'0,"0"1"0,0 0 0,0 1 0,1-1 0,-1 0 0,1 1 0,0 0 0,1-1 0,-2 6 0,-7 44 0,9-48 0,1-1 0,-1 1 0,1-1 0,0 1 0,1-1 0,1 11 0,-1-15 0,-1 1 0,1-1 0,0 1 0,0-1 0,0 1 0,-1-1 0,1 1 0,1-1 0,-1 0 0,0 0 0,0 1 0,0-1 0,1 0 0,-1 0 0,0 0 0,1 0 0,-1-1 0,1 1 0,-1 0 0,1 0 0,0-1 0,-1 1 0,1-1 0,0 0 0,-1 1 0,3-1 0,0 1 0,0-1 0,1 1 0,-1-1 0,0 0 0,0 0 0,1 0 0,-1-1 0,0 1 0,0-1 0,0 0 0,1 0 0,-1-1 0,4-1 0,-6 1 0,0 1 0,0-1 0,0 0 0,0 1 0,0-1 0,-1 0 0,1 0 0,-1 0 0,1 0 0,-1-1 0,0 1 0,0 0 0,0 0 0,0-1 0,0 1 0,0-1 0,-1 1 0,1-1 0,-1 1 0,0-1 0,0 1 0,0-1 0,0-3 0,0 5-59,0-1 0,0 0-1,0 0 1,-1 0-1,1 0 1,0 0 0,-1 0-1,0 0 1,1 1 0,-1-1-1,0 0 1,0 0 0,0 1-1,0-1 1,0 1-1,0-1 1,0 1 0,-1-1-1,1 1 1,-1 0 0,1-1-1,-3-1 1</inkml:trace>
+</inkml:ink>
+</file>
+
+<file path=ppt/ink/ink6.xml><?xml version="1.0" encoding="utf-8"?>
+<inkml:ink xmlns:inkml="http://www.w3.org/2003/InkML">
+  <inkml:definitions>
+    <inkml:context xml:id="ctx0">
+      <inkml:inkSource xml:id="inkSrc0">
+        <inkml:traceFormat>
+          <inkml:channel name="X" type="integer" min="-2.14748E9" max="2.14748E9" units="cm"/>
+          <inkml:channel name="Y" type="integer" min="-2.14748E9" max="2.14748E9" units="cm"/>
+          <inkml:channel name="F" type="integer" max="32767" units="dev"/>
+        </inkml:traceFormat>
+        <inkml:channelProperties>
+          <inkml:channelProperty channel="X" name="resolution" value="1000" units="1/cm"/>
+          <inkml:channelProperty channel="Y" name="resolution" value="1000" units="1/cm"/>
+          <inkml:channelProperty channel="F" name="resolution" value="0" units="1/dev"/>
+        </inkml:channelProperties>
+      </inkml:inkSource>
+      <inkml:timestamp xml:id="ts0" timeString="2025-05-10T23:54:26.647"/>
+    </inkml:context>
+    <inkml:brush xml:id="br0">
+      <inkml:brushProperty name="width" value="0.1" units="cm"/>
+      <inkml:brushProperty name="height" value="0.1" units="cm"/>
+      <inkml:brushProperty name="color" value="#E71224"/>
+    </inkml:brush>
+  </inkml:definitions>
+  <inkml:trace contextRef="#ctx0" brushRef="#br0">387 0 24575,'-7'10'0,"-1"1"0,1-1 0,1 1 0,0 0 0,1 0 0,0 1 0,0-1 0,-2 15 0,-3 2 0,-56 145 0,-50 146 0,108-295 0,0-1 0,-1-1 0,-2 1 0,-16 26 0,14-26 0,0 0 0,2 1 0,-16 48 0,16-48-1365</inkml:trace>
+</inkml:ink>
+</file>
+
+<file path=ppt/ink/ink7.xml><?xml version="1.0" encoding="utf-8"?>
+<inkml:ink xmlns:inkml="http://www.w3.org/2003/InkML">
+  <inkml:definitions>
+    <inkml:context xml:id="ctx0">
+      <inkml:inkSource xml:id="inkSrc0">
+        <inkml:traceFormat>
+          <inkml:channel name="X" type="integer" min="-2.14748E9" max="2.14748E9" units="cm"/>
+          <inkml:channel name="Y" type="integer" min="-2.14748E9" max="2.14748E9" units="cm"/>
+          <inkml:channel name="F" type="integer" max="32767" units="dev"/>
+        </inkml:traceFormat>
+        <inkml:channelProperties>
+          <inkml:channelProperty channel="X" name="resolution" value="1000" units="1/cm"/>
+          <inkml:channelProperty channel="Y" name="resolution" value="1000" units="1/cm"/>
+          <inkml:channelProperty channel="F" name="resolution" value="0" units="1/dev"/>
+        </inkml:channelProperties>
+      </inkml:inkSource>
+      <inkml:timestamp xml:id="ts0" timeString="2025-05-10T23:54:28.902"/>
+    </inkml:context>
+    <inkml:brush xml:id="br0">
+      <inkml:brushProperty name="width" value="0.1" units="cm"/>
+      <inkml:brushProperty name="height" value="0.1" units="cm"/>
+      <inkml:brushProperty name="color" value="#E71224"/>
+    </inkml:brush>
+  </inkml:definitions>
+  <inkml:trace contextRef="#ctx0" brushRef="#br0">1 1 24575,'3'0'0,"3"6"0,5 8 0,3 7 0,2 7 0,1 4 0,4 3 0,2-2 0,-1 0 0,-4-3 0,-1-6 0,-2-8 0</inkml:trace>
+</inkml:ink>
+</file>
+
+<file path=ppt/ink/ink8.xml><?xml version="1.0" encoding="utf-8"?>
+<inkml:ink xmlns:inkml="http://www.w3.org/2003/InkML">
+  <inkml:definitions>
+    <inkml:context xml:id="ctx0">
+      <inkml:inkSource xml:id="inkSrc0">
+        <inkml:traceFormat>
+          <inkml:channel name="X" type="integer" min="-2.14748E9" max="2.14748E9" units="cm"/>
+          <inkml:channel name="Y" type="integer" min="-2.14748E9" max="2.14748E9" units="cm"/>
+          <inkml:channel name="F" type="integer" max="32767" units="dev"/>
+        </inkml:traceFormat>
+        <inkml:channelProperties>
+          <inkml:channelProperty channel="X" name="resolution" value="1000" units="1/cm"/>
+          <inkml:channelProperty channel="Y" name="resolution" value="1000" units="1/cm"/>
+          <inkml:channelProperty channel="F" name="resolution" value="0" units="1/dev"/>
+        </inkml:channelProperties>
+      </inkml:inkSource>
+      <inkml:timestamp xml:id="ts0" timeString="2025-05-10T23:54:30.104"/>
+    </inkml:context>
+    <inkml:brush xml:id="br0">
+      <inkml:brushProperty name="width" value="0.1" units="cm"/>
+      <inkml:brushProperty name="height" value="0.1" units="cm"/>
+      <inkml:brushProperty name="color" value="#E71224"/>
+    </inkml:brush>
+  </inkml:definitions>
+  <inkml:trace contextRef="#ctx0" brushRef="#br0">106 0 24575,'-3'40'0,"-2"0"0,-1-1 0,-14 48 0,16-70 0,-7 26 0,4-21 0,2 0 0,0 0 0,-2 38 0,6-45 82,-1 0-1,-1 1 1,-8 25-1,6-22-926,-5 30-1</inkml:trace>
+</inkml:ink>
+</file>
+
+<file path=ppt/ink/ink9.xml><?xml version="1.0" encoding="utf-8"?>
+<inkml:ink xmlns:inkml="http://www.w3.org/2003/InkML">
+  <inkml:definitions>
+    <inkml:context xml:id="ctx0">
+      <inkml:inkSource xml:id="inkSrc0">
+        <inkml:traceFormat>
+          <inkml:channel name="X" type="integer" min="-2.14748E9" max="2.14748E9" units="cm"/>
+          <inkml:channel name="Y" type="integer" min="-2.14748E9" max="2.14748E9" units="cm"/>
+          <inkml:channel name="F" type="integer" max="32767" units="dev"/>
+        </inkml:traceFormat>
+        <inkml:channelProperties>
+          <inkml:channelProperty channel="X" name="resolution" value="1000" units="1/cm"/>
+          <inkml:channelProperty channel="Y" name="resolution" value="1000" units="1/cm"/>
+          <inkml:channelProperty channel="F" name="resolution" value="0" units="1/dev"/>
+        </inkml:channelProperties>
+      </inkml:inkSource>
+      <inkml:timestamp xml:id="ts0" timeString="2025-05-10T23:54:31.316"/>
+    </inkml:context>
+    <inkml:brush xml:id="br0">
+      <inkml:brushProperty name="width" value="0.1" units="cm"/>
+      <inkml:brushProperty name="height" value="0.1" units="cm"/>
+      <inkml:brushProperty name="color" value="#E71224"/>
+    </inkml:brush>
+  </inkml:definitions>
+  <inkml:trace contextRef="#ctx0" brushRef="#br0">1 234 24575,'1'1'0,"1"-1"0,-1 1 0,0-1 0,1 1 0,-1-1 0,0 1 0,0 0 0,1 0 0,-1 0 0,0-1 0,0 1 0,0 0 0,0 1 0,0-1 0,0 0 0,0 0 0,0 0 0,-1 0 0,1 1 0,0-1 0,-1 0 0,1 3 0,12 31 0,-12-29 0,-1-15 0,-1-4 0,-2-15 0,1 0 0,2 0 0,3-31 0,-2 52 0,0 0 0,0 0 0,0 1 0,1-1 0,0 0 0,1 1 0,-1 0 0,1-1 0,0 1 0,1 0 0,0 1 0,0-1 0,0 1 0,0-1 0,1 1 0,0 0 0,0 1 0,7-6 0,-8 8 18,0 0 0,0 0 0,1 0 0,-1 0 0,0 1 0,0 0 0,1 0 0,-1 0 0,1 1 0,-1-1 0,1 1 0,-1 0 0,1 0 0,-1 1 0,1-1 0,-1 1 0,1 0 0,6 2 0,-5 0-161,0-1 1,1 1 0,-2 0 0,1 0-1,0 1 1,-1 0 0,1 0 0,-1 0 0,0 0-1,-1 1 1,9 9 0</inkml:trace>
+</inkml:ink>
 </file>
 
 <file path=ppt/slideLayouts/slideLayout1.xml><?xml version="1.0" encoding="utf-8"?>
@@ -2971,6 +3755,42 @@
           <a:chExt cx="0" cy="0"/>
         </a:xfrm>
       </p:grpSpPr>
+      <p:pic>
+        <p:nvPicPr>
+          <p:cNvPr id="11" name="Picture 10" descr="A graph of different colored lines&#10;&#10;AI-generated content may be incorrect.">
+            <a:extLst>
+              <a:ext uri="{FF2B5EF4-FFF2-40B4-BE49-F238E27FC236}">
+                <a16:creationId xmlns:a16="http://schemas.microsoft.com/office/drawing/2014/main" id="{260E5106-1C24-FFD3-FCEA-D69972F23F8F}"/>
+              </a:ext>
+            </a:extLst>
+          </p:cNvPr>
+          <p:cNvPicPr>
+            <a:picLocks noChangeAspect="1"/>
+          </p:cNvPicPr>
+          <p:nvPr/>
+        </p:nvPicPr>
+        <p:blipFill>
+          <a:blip r:embed="rId2">
+            <a:extLst>
+              <a:ext uri="{28A0092B-C50C-407E-A947-70E740481C1C}">
+                <a14:useLocalDpi xmlns:a14="http://schemas.microsoft.com/office/drawing/2010/main" val="0"/>
+              </a:ext>
+            </a:extLst>
+          </a:blip>
+          <a:stretch>
+            <a:fillRect/>
+          </a:stretch>
+        </p:blipFill>
+        <p:spPr>
+          <a:xfrm>
+            <a:off x="20741692" y="17754585"/>
+            <a:ext cx="11539049" cy="5411454"/>
+          </a:xfrm>
+          <a:prstGeom prst="rect">
+            <a:avLst/>
+          </a:prstGeom>
+        </p:spPr>
+      </p:pic>
       <p:sp>
         <p:nvSpPr>
           <p:cNvPr id="4" name="TextBox 3">
@@ -3034,7 +3854,7 @@
                 <a:latin typeface="Liberation Sans" panose="020B0604020202020204" pitchFamily="34" charset="0"/>
                 <a:ea typeface="Liberation Sans" panose="020B0604020202020204" pitchFamily="34" charset="0"/>
                 <a:cs typeface="Liberation Sans" panose="020B0604020202020204" pitchFamily="34" charset="0"/>
-                <a:hlinkClick r:id="rId2"/>
+                <a:hlinkClick r:id="rId3"/>
               </a:rPr>
               <a:t>whobbs@southernco.com</a:t>
             </a:r>
@@ -3183,7 +4003,7 @@
           <p:nvPr/>
         </p:nvPicPr>
         <p:blipFill>
-          <a:blip r:embed="rId3">
+          <a:blip r:embed="rId4">
             <a:extLst>
               <a:ext uri="{28A0092B-C50C-407E-A947-70E740481C1C}">
                 <a14:useLocalDpi xmlns:a14="http://schemas.microsoft.com/office/drawing/2010/main" val="0"/>
@@ -3652,7 +4472,34 @@
                 <a:ea typeface="Liberation Sans" panose="020B0604020202020204" pitchFamily="34" charset="0"/>
                 <a:cs typeface="Liberation Sans" panose="020B0604020202020204" pitchFamily="34" charset="0"/>
               </a:rPr>
-              <a:t> from 2021 to 2023. What’s going on here? Curtailment is supposed to be excluded…</a:t>
+              <a:t> from 2021 to 2023. </a:t>
+            </a:r>
+            <a:r>
+              <a:rPr lang="en-US" sz="5400" b="1" dirty="0">
+                <a:latin typeface="Liberation Sans" panose="020B0604020202020204" pitchFamily="34" charset="0"/>
+                <a:ea typeface="Liberation Sans" panose="020B0604020202020204" pitchFamily="34" charset="0"/>
+                <a:cs typeface="Liberation Sans" panose="020B0604020202020204" pitchFamily="34" charset="0"/>
+              </a:rPr>
+              <a:t>1 of 10</a:t>
+            </a:r>
+            <a:r>
+              <a:rPr lang="en-US" sz="5400" dirty="0">
+                <a:latin typeface="Liberation Sans" panose="020B0604020202020204" pitchFamily="34" charset="0"/>
+                <a:ea typeface="Liberation Sans" panose="020B0604020202020204" pitchFamily="34" charset="0"/>
+                <a:cs typeface="Liberation Sans" panose="020B0604020202020204" pitchFamily="34" charset="0"/>
+              </a:rPr>
+              <a:t> looks like 10%/yr power loss rate. What’s going on?</a:t>
+            </a:r>
+            <a:r>
+              <a:rPr lang="en-US" sz="5400" dirty="0">
+                <a:solidFill>
+                  <a:srgbClr val="FF0000"/>
+                </a:solidFill>
+                <a:latin typeface="Liberation Sans" panose="020B0604020202020204" pitchFamily="34" charset="0"/>
+                <a:ea typeface="Liberation Sans" panose="020B0604020202020204" pitchFamily="34" charset="0"/>
+                <a:cs typeface="Liberation Sans" panose="020B0604020202020204" pitchFamily="34" charset="0"/>
+              </a:rPr>
+              <a:t> More analysis needed.</a:t>
             </a:r>
           </a:p>
           <a:p>
@@ -3851,7 +4698,7 @@
                 <a:latin typeface="Liberation Sans" panose="020B0604020202020204" pitchFamily="34" charset="0"/>
                 <a:ea typeface="Liberation Sans" panose="020B0604020202020204" pitchFamily="34" charset="0"/>
                 <a:cs typeface="Liberation Sans" panose="020B0604020202020204" pitchFamily="34" charset="0"/>
-                <a:hlinkClick r:id="rId4"/>
+                <a:hlinkClick r:id="rId5"/>
               </a:rPr>
               <a:t>https://www.ercot.com/mp/data-products/data-product-details?id=NP3-965-ER</a:t>
             </a:r>
@@ -3880,7 +4727,7 @@
                 <a:latin typeface="Liberation Sans" panose="020B0604020202020204" pitchFamily="34" charset="0"/>
                 <a:ea typeface="Liberation Sans" panose="020B0604020202020204" pitchFamily="34" charset="0"/>
                 <a:cs typeface="Liberation Sans" panose="020B0604020202020204" pitchFamily="34" charset="0"/>
-                <a:hlinkClick r:id="rId5"/>
+                <a:hlinkClick r:id="rId6"/>
               </a:rPr>
               <a:t>https://data.ercot.com/data-product-archive/NP3-965-ER</a:t>
             </a:r>
@@ -3912,7 +4759,7 @@
                 <a:latin typeface="Liberation Sans" panose="020B0604020202020204" pitchFamily="34" charset="0"/>
                 <a:ea typeface="Liberation Sans" panose="020B0604020202020204" pitchFamily="34" charset="0"/>
                 <a:cs typeface="Liberation Sans" panose="020B0604020202020204" pitchFamily="34" charset="0"/>
-                <a:hlinkClick r:id="rId6"/>
+                <a:hlinkClick r:id="rId7"/>
               </a:rPr>
               <a:t>https://www.gridstatus.io/datasets/ercot_sced_gen_resource_60_day</a:t>
             </a:r>
@@ -3944,7 +4791,7 @@
                 <a:latin typeface="Liberation Sans" panose="020B0604020202020204" pitchFamily="34" charset="0"/>
                 <a:ea typeface="Liberation Sans" panose="020B0604020202020204" pitchFamily="34" charset="0"/>
                 <a:cs typeface="Liberation Sans" panose="020B0604020202020204" pitchFamily="34" charset="0"/>
-                <a:hlinkClick r:id="rId7"/>
+                <a:hlinkClick r:id="rId8"/>
               </a:rPr>
               <a:t>https://www.ercot.com/files/docs/2025/02/12/CapacityDemandandReservesReport_December2024.xlsx</a:t>
             </a:r>
@@ -3961,7 +4808,7 @@
                 <a:latin typeface="Liberation Sans" panose="020B0604020202020204" pitchFamily="34" charset="0"/>
                 <a:ea typeface="Liberation Sans" panose="020B0604020202020204" pitchFamily="34" charset="0"/>
                 <a:cs typeface="Liberation Sans" panose="020B0604020202020204" pitchFamily="34" charset="0"/>
-                <a:hlinkClick r:id="rId8"/>
+                <a:hlinkClick r:id="rId9"/>
               </a:rPr>
               <a:t>ttps://www.ercot.com/gridinfo/resource</a:t>
             </a:r>
@@ -3993,7 +4840,7 @@
                 <a:latin typeface="Liberation Sans" panose="020B0604020202020204" pitchFamily="34" charset="0"/>
                 <a:ea typeface="Liberation Sans" panose="020B0604020202020204" pitchFamily="34" charset="0"/>
                 <a:cs typeface="Liberation Sans" panose="020B0604020202020204" pitchFamily="34" charset="0"/>
-                <a:hlinkClick r:id="rId9"/>
+                <a:hlinkClick r:id="rId10"/>
               </a:rPr>
               <a:t>https://www.eia.gov/electricity/data/eia860/xls/eia8602023.zip</a:t>
             </a:r>
@@ -4010,7 +4857,7 @@
                 <a:latin typeface="Liberation Sans" panose="020B0604020202020204" pitchFamily="34" charset="0"/>
                 <a:ea typeface="Liberation Sans" panose="020B0604020202020204" pitchFamily="34" charset="0"/>
                 <a:cs typeface="Liberation Sans" panose="020B0604020202020204" pitchFamily="34" charset="0"/>
-                <a:hlinkClick r:id="rId10"/>
+                <a:hlinkClick r:id="rId11"/>
               </a:rPr>
               <a:t>https://www.eia.gov/electricity/data/eia860/</a:t>
             </a:r>
@@ -4042,7 +4889,7 @@
                 <a:latin typeface="Liberation Sans" panose="020B0604020202020204" pitchFamily="34" charset="0"/>
                 <a:ea typeface="Liberation Sans" panose="020B0604020202020204" pitchFamily="34" charset="0"/>
                 <a:cs typeface="Liberation Sans" panose="020B0604020202020204" pitchFamily="34" charset="0"/>
-                <a:hlinkClick r:id="rId11"/>
+                <a:hlinkClick r:id="rId12"/>
               </a:rPr>
               <a:t>https://github.com/seatgeek/thefuzz</a:t>
             </a:r>
@@ -4074,7 +4921,7 @@
                 <a:latin typeface="Liberation Sans" panose="020B0604020202020204" pitchFamily="34" charset="0"/>
                 <a:ea typeface="Liberation Sans" panose="020B0604020202020204" pitchFamily="34" charset="0"/>
                 <a:cs typeface="Liberation Sans" panose="020B0604020202020204" pitchFamily="34" charset="0"/>
-                <a:hlinkClick r:id="rId12"/>
+                <a:hlinkClick r:id="rId13"/>
               </a:rPr>
               <a:t>https://developer.nrel.gov/docs/solar/nsrdb/nsrdb-GOES-conus-v4-0-0-download/</a:t>
             </a:r>
@@ -4107,7 +4954,7 @@
                 <a:latin typeface="Liberation Sans" panose="020B0604020202020204" pitchFamily="34" charset="0"/>
                 <a:ea typeface="Liberation Sans" panose="020B0604020202020204" pitchFamily="34" charset="0"/>
                 <a:cs typeface="Liberation Sans" panose="020B0604020202020204" pitchFamily="34" charset="0"/>
-                <a:hlinkClick r:id="rId13"/>
+                <a:hlinkClick r:id="rId14"/>
               </a:rPr>
               <a:t>https://pvlib-python.readthedocs.io/en/latest/reference/generated/pvlib.iotools.get_nsrdb_psm4_conus.html</a:t>
             </a:r>
@@ -4171,7 +5018,7 @@
                 <a:latin typeface="Liberation Sans" panose="020B0604020202020204" pitchFamily="34" charset="0"/>
                 <a:ea typeface="Liberation Sans" panose="020B0604020202020204" pitchFamily="34" charset="0"/>
                 <a:cs typeface="Liberation Sans" panose="020B0604020202020204" pitchFamily="34" charset="0"/>
-                <a:hlinkClick r:id="rId14"/>
+                <a:hlinkClick r:id="rId15"/>
               </a:rPr>
               <a:t>https://doi.org/10.21105/joss.05994</a:t>
             </a:r>
@@ -4203,7 +5050,7 @@
                 <a:latin typeface="Liberation Sans" panose="020B0604020202020204" pitchFamily="34" charset="0"/>
                 <a:ea typeface="Liberation Sans" panose="020B0604020202020204" pitchFamily="34" charset="0"/>
                 <a:cs typeface="Liberation Sans" panose="020B0604020202020204" pitchFamily="34" charset="0"/>
-                <a:hlinkClick r:id="rId15"/>
+                <a:hlinkClick r:id="rId16"/>
               </a:rPr>
               <a:t>https://github.com/williamhobbs/pv-system-model</a:t>
             </a:r>
@@ -4238,7 +5085,7 @@
           <p:nvPr/>
         </p:nvPicPr>
         <p:blipFill>
-          <a:blip r:embed="rId16">
+          <a:blip r:embed="rId17">
             <a:extLst>
               <a:ext uri="{28A0092B-C50C-407E-A947-70E740481C1C}">
                 <a14:useLocalDpi xmlns:a14="http://schemas.microsoft.com/office/drawing/2010/main" val="0"/>
@@ -4345,42 +5192,6 @@
       </p:sp>
       <p:pic>
         <p:nvPicPr>
-          <p:cNvPr id="32" name="Picture 31" descr="A graph of different colored lines&#10;&#10;AI-generated content may be incorrect.">
-            <a:extLst>
-              <a:ext uri="{FF2B5EF4-FFF2-40B4-BE49-F238E27FC236}">
-                <a16:creationId xmlns:a16="http://schemas.microsoft.com/office/drawing/2014/main" id="{AACBD99E-5C7E-273F-6BC2-93802C306F73}"/>
-              </a:ext>
-            </a:extLst>
-          </p:cNvPr>
-          <p:cNvPicPr>
-            <a:picLocks noChangeAspect="1"/>
-          </p:cNvPicPr>
-          <p:nvPr/>
-        </p:nvPicPr>
-        <p:blipFill>
-          <a:blip r:embed="rId17" r:link="rId18">
-            <a:extLst>
-              <a:ext uri="{28A0092B-C50C-407E-A947-70E740481C1C}">
-                <a14:useLocalDpi xmlns:a14="http://schemas.microsoft.com/office/drawing/2010/main" val="0"/>
-              </a:ext>
-            </a:extLst>
-          </a:blip>
-          <a:stretch>
-            <a:fillRect/>
-          </a:stretch>
-        </p:blipFill>
-        <p:spPr>
-          <a:xfrm>
-            <a:off x="20608747" y="18085751"/>
-            <a:ext cx="11798848" cy="9024792"/>
-          </a:xfrm>
-          <a:prstGeom prst="rect">
-            <a:avLst/>
-          </a:prstGeom>
-        </p:spPr>
-      </p:pic>
-      <p:pic>
-        <p:nvPicPr>
           <p:cNvPr id="39" name="Picture 38" descr="A qr code with a yellow sun&#10;&#10;AI-generated content may be incorrect.">
             <a:extLst>
               <a:ext uri="{FF2B5EF4-FFF2-40B4-BE49-F238E27FC236}">
@@ -4394,7 +5205,7 @@
           <p:nvPr/>
         </p:nvPicPr>
         <p:blipFill>
-          <a:blip r:embed="rId19">
+          <a:blip r:embed="rId18">
             <a:extLst>
               <a:ext uri="{28A0092B-C50C-407E-A947-70E740481C1C}">
                 <a14:useLocalDpi xmlns:a14="http://schemas.microsoft.com/office/drawing/2010/main" val="0"/>
@@ -4478,8 +5289,8 @@
         </p:nvSpPr>
         <p:spPr>
           <a:xfrm>
-            <a:off x="30046289" y="23055788"/>
-            <a:ext cx="1507103" cy="1200329"/>
+            <a:off x="29417669" y="20074752"/>
+            <a:ext cx="1103487" cy="923330"/>
           </a:xfrm>
           <a:prstGeom prst="rect">
             <a:avLst/>
@@ -4493,7 +5304,7 @@
           <a:lstStyle/>
           <a:p>
             <a:r>
-              <a:rPr lang="en-US" sz="7200" dirty="0">
+              <a:rPr lang="en-US" sz="5400" dirty="0">
                 <a:latin typeface="Liberation Mono" panose="02070409020205020404" pitchFamily="49" charset="0"/>
                 <a:cs typeface="Liberation Mono" panose="02070409020205020404" pitchFamily="49" charset="0"/>
               </a:rPr>
@@ -4517,7 +5328,7 @@
           <p:nvPr/>
         </p:nvPicPr>
         <p:blipFill>
-          <a:blip r:embed="rId20" r:link="rId21">
+          <a:blip r:embed="rId19" r:link="rId20">
             <a:extLst>
               <a:ext uri="{28A0092B-C50C-407E-A947-70E740481C1C}">
                 <a14:useLocalDpi xmlns:a14="http://schemas.microsoft.com/office/drawing/2010/main" val="0"/>
@@ -4538,6 +5349,1596 @@
           </a:prstGeom>
         </p:spPr>
       </p:pic>
+      <p:pic>
+        <p:nvPicPr>
+          <p:cNvPr id="13" name="Picture 12" descr="A green and orange graph&#10;&#10;AI-generated content may be incorrect.">
+            <a:extLst>
+              <a:ext uri="{FF2B5EF4-FFF2-40B4-BE49-F238E27FC236}">
+                <a16:creationId xmlns:a16="http://schemas.microsoft.com/office/drawing/2014/main" id="{BCC82CB5-D560-ED35-3399-24E5FF2D7EF3}"/>
+              </a:ext>
+            </a:extLst>
+          </p:cNvPr>
+          <p:cNvPicPr>
+            <a:picLocks noChangeAspect="1"/>
+          </p:cNvPicPr>
+          <p:nvPr/>
+        </p:nvPicPr>
+        <p:blipFill>
+          <a:blip r:embed="rId21">
+            <a:extLst>
+              <a:ext uri="{28A0092B-C50C-407E-A947-70E740481C1C}">
+                <a14:useLocalDpi xmlns:a14="http://schemas.microsoft.com/office/drawing/2010/main" val="0"/>
+              </a:ext>
+            </a:extLst>
+          </a:blip>
+          <a:stretch>
+            <a:fillRect/>
+          </a:stretch>
+        </p:blipFill>
+        <p:spPr>
+          <a:xfrm>
+            <a:off x="21380060" y="23088933"/>
+            <a:ext cx="10786058" cy="5411454"/>
+          </a:xfrm>
+          <a:prstGeom prst="rect">
+            <a:avLst/>
+          </a:prstGeom>
+        </p:spPr>
+      </p:pic>
+      <p:grpSp>
+        <p:nvGrpSpPr>
+          <p:cNvPr id="44" name="Group 43">
+            <a:extLst>
+              <a:ext uri="{FF2B5EF4-FFF2-40B4-BE49-F238E27FC236}">
+                <a16:creationId xmlns:a16="http://schemas.microsoft.com/office/drawing/2014/main" id="{0808030F-5E5B-8609-A616-2D14C6CB956B}"/>
+              </a:ext>
+            </a:extLst>
+          </p:cNvPr>
+          <p:cNvGrpSpPr/>
+          <p:nvPr/>
+        </p:nvGrpSpPr>
+        <p:grpSpPr>
+          <a:xfrm>
+            <a:off x="30213930" y="23882939"/>
+            <a:ext cx="1354320" cy="338760"/>
+            <a:chOff x="31197050" y="23939340"/>
+            <a:chExt cx="1354320" cy="338760"/>
+          </a:xfrm>
+        </p:grpSpPr>
+        <mc:AlternateContent xmlns:mc="http://schemas.openxmlformats.org/markup-compatibility/2006">
+          <mc:Choice xmlns:p14="http://schemas.microsoft.com/office/powerpoint/2010/main" Requires="p14">
+            <p:contentPart p14:bwMode="auto" r:id="rId22">
+              <p14:nvContentPartPr>
+                <p14:cNvPr id="23" name="Ink 22">
+                  <a:extLst>
+                    <a:ext uri="{FF2B5EF4-FFF2-40B4-BE49-F238E27FC236}">
+                      <a16:creationId xmlns:a16="http://schemas.microsoft.com/office/drawing/2014/main" id="{A28B54BC-7962-20CB-202A-B9A9DAFBD8CF}"/>
+                    </a:ext>
+                  </a:extLst>
+                </p14:cNvPr>
+                <p14:cNvContentPartPr/>
+                <p14:nvPr/>
+              </p14:nvContentPartPr>
+              <p14:xfrm>
+                <a:off x="31197050" y="24059220"/>
+                <a:ext cx="159480" cy="58320"/>
+              </p14:xfrm>
+            </p:contentPart>
+          </mc:Choice>
+          <mc:Fallback>
+            <p:pic>
+              <p:nvPicPr>
+                <p:cNvPr id="23" name="Ink 22">
+                  <a:extLst>
+                    <a:ext uri="{FF2B5EF4-FFF2-40B4-BE49-F238E27FC236}">
+                      <a16:creationId xmlns:a16="http://schemas.microsoft.com/office/drawing/2014/main" id="{A28B54BC-7962-20CB-202A-B9A9DAFBD8CF}"/>
+                    </a:ext>
+                  </a:extLst>
+                </p:cNvPr>
+                <p:cNvPicPr/>
+                <p:nvPr/>
+              </p:nvPicPr>
+              <p:blipFill>
+                <a:blip r:embed="rId23"/>
+                <a:stretch>
+                  <a:fillRect/>
+                </a:stretch>
+              </p:blipFill>
+              <p:spPr>
+                <a:xfrm>
+                  <a:off x="31179410" y="24041220"/>
+                  <a:ext cx="195120" cy="93960"/>
+                </a:xfrm>
+                <a:prstGeom prst="rect">
+                  <a:avLst/>
+                </a:prstGeom>
+              </p:spPr>
+            </p:pic>
+          </mc:Fallback>
+        </mc:AlternateContent>
+        <mc:AlternateContent xmlns:mc="http://schemas.openxmlformats.org/markup-compatibility/2006">
+          <mc:Choice xmlns:p14="http://schemas.microsoft.com/office/powerpoint/2010/main" Requires="p14">
+            <p:contentPart p14:bwMode="auto" r:id="rId24">
+              <p14:nvContentPartPr>
+                <p14:cNvPr id="25" name="Ink 24">
+                  <a:extLst>
+                    <a:ext uri="{FF2B5EF4-FFF2-40B4-BE49-F238E27FC236}">
+                      <a16:creationId xmlns:a16="http://schemas.microsoft.com/office/drawing/2014/main" id="{118BD96F-3010-E73D-2BB2-599ABDE2AD6F}"/>
+                    </a:ext>
+                  </a:extLst>
+                </p14:cNvPr>
+                <p14:cNvContentPartPr/>
+                <p14:nvPr/>
+              </p14:nvContentPartPr>
+              <p14:xfrm>
+                <a:off x="31456610" y="23959860"/>
+                <a:ext cx="157680" cy="247680"/>
+              </p14:xfrm>
+            </p:contentPart>
+          </mc:Choice>
+          <mc:Fallback>
+            <p:pic>
+              <p:nvPicPr>
+                <p:cNvPr id="25" name="Ink 24">
+                  <a:extLst>
+                    <a:ext uri="{FF2B5EF4-FFF2-40B4-BE49-F238E27FC236}">
+                      <a16:creationId xmlns:a16="http://schemas.microsoft.com/office/drawing/2014/main" id="{118BD96F-3010-E73D-2BB2-599ABDE2AD6F}"/>
+                    </a:ext>
+                  </a:extLst>
+                </p:cNvPr>
+                <p:cNvPicPr/>
+                <p:nvPr/>
+              </p:nvPicPr>
+              <p:blipFill>
+                <a:blip r:embed="rId25"/>
+                <a:stretch>
+                  <a:fillRect/>
+                </a:stretch>
+              </p:blipFill>
+              <p:spPr>
+                <a:xfrm>
+                  <a:off x="31438970" y="23942220"/>
+                  <a:ext cx="193320" cy="283320"/>
+                </a:xfrm>
+                <a:prstGeom prst="rect">
+                  <a:avLst/>
+                </a:prstGeom>
+              </p:spPr>
+            </p:pic>
+          </mc:Fallback>
+        </mc:AlternateContent>
+        <mc:AlternateContent xmlns:mc="http://schemas.openxmlformats.org/markup-compatibility/2006">
+          <mc:Choice xmlns:p14="http://schemas.microsoft.com/office/powerpoint/2010/main" Requires="p14">
+            <p:contentPart p14:bwMode="auto" r:id="rId26">
+              <p14:nvContentPartPr>
+                <p14:cNvPr id="27" name="Ink 26">
+                  <a:extLst>
+                    <a:ext uri="{FF2B5EF4-FFF2-40B4-BE49-F238E27FC236}">
+                      <a16:creationId xmlns:a16="http://schemas.microsoft.com/office/drawing/2014/main" id="{DAE23C04-BD65-6BCB-F7F6-3679D10EAC5D}"/>
+                    </a:ext>
+                  </a:extLst>
+                </p14:cNvPr>
+                <p14:cNvContentPartPr/>
+                <p14:nvPr/>
+              </p14:nvContentPartPr>
+              <p14:xfrm>
+                <a:off x="31730930" y="23954460"/>
+                <a:ext cx="46440" cy="43200"/>
+              </p14:xfrm>
+            </p:contentPart>
+          </mc:Choice>
+          <mc:Fallback>
+            <p:pic>
+              <p:nvPicPr>
+                <p:cNvPr id="27" name="Ink 26">
+                  <a:extLst>
+                    <a:ext uri="{FF2B5EF4-FFF2-40B4-BE49-F238E27FC236}">
+                      <a16:creationId xmlns:a16="http://schemas.microsoft.com/office/drawing/2014/main" id="{DAE23C04-BD65-6BCB-F7F6-3679D10EAC5D}"/>
+                    </a:ext>
+                  </a:extLst>
+                </p:cNvPr>
+                <p:cNvPicPr/>
+                <p:nvPr/>
+              </p:nvPicPr>
+              <p:blipFill>
+                <a:blip r:embed="rId27"/>
+                <a:stretch>
+                  <a:fillRect/>
+                </a:stretch>
+              </p:blipFill>
+              <p:spPr>
+                <a:xfrm>
+                  <a:off x="31713290" y="23936460"/>
+                  <a:ext cx="82080" cy="78840"/>
+                </a:xfrm>
+                <a:prstGeom prst="rect">
+                  <a:avLst/>
+                </a:prstGeom>
+              </p:spPr>
+            </p:pic>
+          </mc:Fallback>
+        </mc:AlternateContent>
+        <mc:AlternateContent xmlns:mc="http://schemas.openxmlformats.org/markup-compatibility/2006">
+          <mc:Choice xmlns:p14="http://schemas.microsoft.com/office/powerpoint/2010/main" Requires="p14">
+            <p:contentPart p14:bwMode="auto" r:id="rId28">
+              <p14:nvContentPartPr>
+                <p14:cNvPr id="31" name="Ink 30">
+                  <a:extLst>
+                    <a:ext uri="{FF2B5EF4-FFF2-40B4-BE49-F238E27FC236}">
+                      <a16:creationId xmlns:a16="http://schemas.microsoft.com/office/drawing/2014/main" id="{6D7BDA42-9148-D811-96B6-0DBD14149883}"/>
+                    </a:ext>
+                  </a:extLst>
+                </p14:cNvPr>
+                <p14:cNvContentPartPr/>
+                <p14:nvPr/>
+              </p14:nvContentPartPr>
+              <p14:xfrm>
+                <a:off x="31690610" y="23958420"/>
+                <a:ext cx="205560" cy="216360"/>
+              </p14:xfrm>
+            </p:contentPart>
+          </mc:Choice>
+          <mc:Fallback>
+            <p:pic>
+              <p:nvPicPr>
+                <p:cNvPr id="31" name="Ink 30">
+                  <a:extLst>
+                    <a:ext uri="{FF2B5EF4-FFF2-40B4-BE49-F238E27FC236}">
+                      <a16:creationId xmlns:a16="http://schemas.microsoft.com/office/drawing/2014/main" id="{6D7BDA42-9148-D811-96B6-0DBD14149883}"/>
+                    </a:ext>
+                  </a:extLst>
+                </p:cNvPr>
+                <p:cNvPicPr/>
+                <p:nvPr/>
+              </p:nvPicPr>
+              <p:blipFill>
+                <a:blip r:embed="rId29"/>
+                <a:stretch>
+                  <a:fillRect/>
+                </a:stretch>
+              </p:blipFill>
+              <p:spPr>
+                <a:xfrm>
+                  <a:off x="31672970" y="23940780"/>
+                  <a:ext cx="241200" cy="252000"/>
+                </a:xfrm>
+                <a:prstGeom prst="rect">
+                  <a:avLst/>
+                </a:prstGeom>
+              </p:spPr>
+            </p:pic>
+          </mc:Fallback>
+        </mc:AlternateContent>
+        <mc:AlternateContent xmlns:mc="http://schemas.openxmlformats.org/markup-compatibility/2006">
+          <mc:Choice xmlns:p14="http://schemas.microsoft.com/office/powerpoint/2010/main" Requires="p14">
+            <p:contentPart p14:bwMode="auto" r:id="rId30">
+              <p14:nvContentPartPr>
+                <p14:cNvPr id="34" name="Ink 33">
+                  <a:extLst>
+                    <a:ext uri="{FF2B5EF4-FFF2-40B4-BE49-F238E27FC236}">
+                      <a16:creationId xmlns:a16="http://schemas.microsoft.com/office/drawing/2014/main" id="{760D14A4-7AE1-E171-CAF8-FC63D3FAF9E4}"/>
+                    </a:ext>
+                  </a:extLst>
+                </p14:cNvPr>
+                <p14:cNvContentPartPr/>
+                <p14:nvPr/>
+              </p14:nvContentPartPr>
+              <p14:xfrm>
+                <a:off x="31851170" y="24129780"/>
+                <a:ext cx="46440" cy="65520"/>
+              </p14:xfrm>
+            </p:contentPart>
+          </mc:Choice>
+          <mc:Fallback>
+            <p:pic>
+              <p:nvPicPr>
+                <p:cNvPr id="34" name="Ink 33">
+                  <a:extLst>
+                    <a:ext uri="{FF2B5EF4-FFF2-40B4-BE49-F238E27FC236}">
+                      <a16:creationId xmlns:a16="http://schemas.microsoft.com/office/drawing/2014/main" id="{760D14A4-7AE1-E171-CAF8-FC63D3FAF9E4}"/>
+                    </a:ext>
+                  </a:extLst>
+                </p:cNvPr>
+                <p:cNvPicPr/>
+                <p:nvPr/>
+              </p:nvPicPr>
+              <p:blipFill>
+                <a:blip r:embed="rId31"/>
+                <a:stretch>
+                  <a:fillRect/>
+                </a:stretch>
+              </p:blipFill>
+              <p:spPr>
+                <a:xfrm>
+                  <a:off x="31833170" y="24112140"/>
+                  <a:ext cx="82080" cy="101160"/>
+                </a:xfrm>
+                <a:prstGeom prst="rect">
+                  <a:avLst/>
+                </a:prstGeom>
+              </p:spPr>
+            </p:pic>
+          </mc:Fallback>
+        </mc:AlternateContent>
+        <mc:AlternateContent xmlns:mc="http://schemas.openxmlformats.org/markup-compatibility/2006">
+          <mc:Choice xmlns:p14="http://schemas.microsoft.com/office/powerpoint/2010/main" Requires="p14">
+            <p:contentPart p14:bwMode="auto" r:id="rId32">
+              <p14:nvContentPartPr>
+                <p14:cNvPr id="35" name="Ink 34">
+                  <a:extLst>
+                    <a:ext uri="{FF2B5EF4-FFF2-40B4-BE49-F238E27FC236}">
+                      <a16:creationId xmlns:a16="http://schemas.microsoft.com/office/drawing/2014/main" id="{933B1A95-2860-1F66-6820-0D0AD6B1E2E2}"/>
+                    </a:ext>
+                  </a:extLst>
+                </p14:cNvPr>
+                <p14:cNvContentPartPr/>
+                <p14:nvPr/>
+              </p14:nvContentPartPr>
+              <p14:xfrm>
+                <a:off x="32029730" y="23939340"/>
+                <a:ext cx="139680" cy="338760"/>
+              </p14:xfrm>
+            </p:contentPart>
+          </mc:Choice>
+          <mc:Fallback>
+            <p:pic>
+              <p:nvPicPr>
+                <p:cNvPr id="35" name="Ink 34">
+                  <a:extLst>
+                    <a:ext uri="{FF2B5EF4-FFF2-40B4-BE49-F238E27FC236}">
+                      <a16:creationId xmlns:a16="http://schemas.microsoft.com/office/drawing/2014/main" id="{933B1A95-2860-1F66-6820-0D0AD6B1E2E2}"/>
+                    </a:ext>
+                  </a:extLst>
+                </p:cNvPr>
+                <p:cNvPicPr/>
+                <p:nvPr/>
+              </p:nvPicPr>
+              <p:blipFill>
+                <a:blip r:embed="rId33"/>
+                <a:stretch>
+                  <a:fillRect/>
+                </a:stretch>
+              </p:blipFill>
+              <p:spPr>
+                <a:xfrm>
+                  <a:off x="32012090" y="23921340"/>
+                  <a:ext cx="175320" cy="374400"/>
+                </a:xfrm>
+                <a:prstGeom prst="rect">
+                  <a:avLst/>
+                </a:prstGeom>
+              </p:spPr>
+            </p:pic>
+          </mc:Fallback>
+        </mc:AlternateContent>
+        <mc:AlternateContent xmlns:mc="http://schemas.openxmlformats.org/markup-compatibility/2006">
+          <mc:Choice xmlns:p14="http://schemas.microsoft.com/office/powerpoint/2010/main" Requires="p14">
+            <p:contentPart p14:bwMode="auto" r:id="rId34">
+              <p14:nvContentPartPr>
+                <p14:cNvPr id="38" name="Ink 37">
+                  <a:extLst>
+                    <a:ext uri="{FF2B5EF4-FFF2-40B4-BE49-F238E27FC236}">
+                      <a16:creationId xmlns:a16="http://schemas.microsoft.com/office/drawing/2014/main" id="{FB9007D3-77B0-37D3-55AF-D68F6069FBDC}"/>
+                    </a:ext>
+                  </a:extLst>
+                </p14:cNvPr>
+                <p14:cNvContentPartPr/>
+                <p14:nvPr/>
+              </p14:nvContentPartPr>
+              <p14:xfrm>
+                <a:off x="32238890" y="24021780"/>
+                <a:ext cx="66240" cy="98280"/>
+              </p14:xfrm>
+            </p:contentPart>
+          </mc:Choice>
+          <mc:Fallback>
+            <p:pic>
+              <p:nvPicPr>
+                <p:cNvPr id="38" name="Ink 37">
+                  <a:extLst>
+                    <a:ext uri="{FF2B5EF4-FFF2-40B4-BE49-F238E27FC236}">
+                      <a16:creationId xmlns:a16="http://schemas.microsoft.com/office/drawing/2014/main" id="{FB9007D3-77B0-37D3-55AF-D68F6069FBDC}"/>
+                    </a:ext>
+                  </a:extLst>
+                </p:cNvPr>
+                <p:cNvPicPr/>
+                <p:nvPr/>
+              </p:nvPicPr>
+              <p:blipFill>
+                <a:blip r:embed="rId35"/>
+                <a:stretch>
+                  <a:fillRect/>
+                </a:stretch>
+              </p:blipFill>
+              <p:spPr>
+                <a:xfrm>
+                  <a:off x="32221250" y="24004140"/>
+                  <a:ext cx="101880" cy="133920"/>
+                </a:xfrm>
+                <a:prstGeom prst="rect">
+                  <a:avLst/>
+                </a:prstGeom>
+              </p:spPr>
+            </p:pic>
+          </mc:Fallback>
+        </mc:AlternateContent>
+        <mc:AlternateContent xmlns:mc="http://schemas.openxmlformats.org/markup-compatibility/2006">
+          <mc:Choice xmlns:p14="http://schemas.microsoft.com/office/powerpoint/2010/main" Requires="p14">
+            <p:contentPart p14:bwMode="auto" r:id="rId36">
+              <p14:nvContentPartPr>
+                <p14:cNvPr id="40" name="Ink 39">
+                  <a:extLst>
+                    <a:ext uri="{FF2B5EF4-FFF2-40B4-BE49-F238E27FC236}">
+                      <a16:creationId xmlns:a16="http://schemas.microsoft.com/office/drawing/2014/main" id="{7BFB12D9-5AEA-ADFD-76C9-CC557ACCDA35}"/>
+                    </a:ext>
+                  </a:extLst>
+                </p14:cNvPr>
+                <p14:cNvContentPartPr/>
+                <p14:nvPr/>
+              </p14:nvContentPartPr>
+              <p14:xfrm>
+                <a:off x="32334290" y="24034740"/>
+                <a:ext cx="38160" cy="197280"/>
+              </p14:xfrm>
+            </p:contentPart>
+          </mc:Choice>
+          <mc:Fallback>
+            <p:pic>
+              <p:nvPicPr>
+                <p:cNvPr id="40" name="Ink 39">
+                  <a:extLst>
+                    <a:ext uri="{FF2B5EF4-FFF2-40B4-BE49-F238E27FC236}">
+                      <a16:creationId xmlns:a16="http://schemas.microsoft.com/office/drawing/2014/main" id="{7BFB12D9-5AEA-ADFD-76C9-CC557ACCDA35}"/>
+                    </a:ext>
+                  </a:extLst>
+                </p:cNvPr>
+                <p:cNvPicPr/>
+                <p:nvPr/>
+              </p:nvPicPr>
+              <p:blipFill>
+                <a:blip r:embed="rId37"/>
+                <a:stretch>
+                  <a:fillRect/>
+                </a:stretch>
+              </p:blipFill>
+              <p:spPr>
+                <a:xfrm>
+                  <a:off x="32316650" y="24016740"/>
+                  <a:ext cx="73800" cy="232920"/>
+                </a:xfrm>
+                <a:prstGeom prst="rect">
+                  <a:avLst/>
+                </a:prstGeom>
+              </p:spPr>
+            </p:pic>
+          </mc:Fallback>
+        </mc:AlternateContent>
+        <mc:AlternateContent xmlns:mc="http://schemas.openxmlformats.org/markup-compatibility/2006">
+          <mc:Choice xmlns:p14="http://schemas.microsoft.com/office/powerpoint/2010/main" Requires="p14">
+            <p:contentPart p14:bwMode="auto" r:id="rId38">
+              <p14:nvContentPartPr>
+                <p14:cNvPr id="42" name="Ink 41">
+                  <a:extLst>
+                    <a:ext uri="{FF2B5EF4-FFF2-40B4-BE49-F238E27FC236}">
+                      <a16:creationId xmlns:a16="http://schemas.microsoft.com/office/drawing/2014/main" id="{6BD2685E-D908-A02A-CE4C-20CF4296CB9D}"/>
+                    </a:ext>
+                  </a:extLst>
+                </p14:cNvPr>
+                <p14:cNvContentPartPr/>
+                <p14:nvPr/>
+              </p14:nvContentPartPr>
+              <p14:xfrm>
+                <a:off x="32429330" y="24071100"/>
+                <a:ext cx="95760" cy="107640"/>
+              </p14:xfrm>
+            </p:contentPart>
+          </mc:Choice>
+          <mc:Fallback>
+            <p:pic>
+              <p:nvPicPr>
+                <p:cNvPr id="42" name="Ink 41">
+                  <a:extLst>
+                    <a:ext uri="{FF2B5EF4-FFF2-40B4-BE49-F238E27FC236}">
+                      <a16:creationId xmlns:a16="http://schemas.microsoft.com/office/drawing/2014/main" id="{6BD2685E-D908-A02A-CE4C-20CF4296CB9D}"/>
+                    </a:ext>
+                  </a:extLst>
+                </p:cNvPr>
+                <p:cNvPicPr/>
+                <p:nvPr/>
+              </p:nvPicPr>
+              <p:blipFill>
+                <a:blip r:embed="rId39"/>
+                <a:stretch>
+                  <a:fillRect/>
+                </a:stretch>
+              </p:blipFill>
+              <p:spPr>
+                <a:xfrm>
+                  <a:off x="32411690" y="24053460"/>
+                  <a:ext cx="131400" cy="143280"/>
+                </a:xfrm>
+                <a:prstGeom prst="rect">
+                  <a:avLst/>
+                </a:prstGeom>
+              </p:spPr>
+            </p:pic>
+          </mc:Fallback>
+        </mc:AlternateContent>
+        <mc:AlternateContent xmlns:mc="http://schemas.openxmlformats.org/markup-compatibility/2006">
+          <mc:Choice xmlns:p14="http://schemas.microsoft.com/office/powerpoint/2010/main" Requires="p14">
+            <p:contentPart p14:bwMode="auto" r:id="rId40">
+              <p14:nvContentPartPr>
+                <p14:cNvPr id="43" name="Ink 42">
+                  <a:extLst>
+                    <a:ext uri="{FF2B5EF4-FFF2-40B4-BE49-F238E27FC236}">
+                      <a16:creationId xmlns:a16="http://schemas.microsoft.com/office/drawing/2014/main" id="{1BD7F652-569F-ED94-B2EE-DBD56C03ED2C}"/>
+                    </a:ext>
+                  </a:extLst>
+                </p14:cNvPr>
+                <p14:cNvContentPartPr/>
+                <p14:nvPr/>
+              </p14:nvContentPartPr>
+              <p14:xfrm>
+                <a:off x="32549930" y="24187020"/>
+                <a:ext cx="1440" cy="360"/>
+              </p14:xfrm>
+            </p:contentPart>
+          </mc:Choice>
+          <mc:Fallback>
+            <p:pic>
+              <p:nvPicPr>
+                <p:cNvPr id="43" name="Ink 42">
+                  <a:extLst>
+                    <a:ext uri="{FF2B5EF4-FFF2-40B4-BE49-F238E27FC236}">
+                      <a16:creationId xmlns:a16="http://schemas.microsoft.com/office/drawing/2014/main" id="{1BD7F652-569F-ED94-B2EE-DBD56C03ED2C}"/>
+                    </a:ext>
+                  </a:extLst>
+                </p:cNvPr>
+                <p:cNvPicPr/>
+                <p:nvPr/>
+              </p:nvPicPr>
+              <p:blipFill>
+                <a:blip r:embed="rId41"/>
+                <a:stretch>
+                  <a:fillRect/>
+                </a:stretch>
+              </p:blipFill>
+              <p:spPr>
+                <a:xfrm>
+                  <a:off x="32532290" y="24169380"/>
+                  <a:ext cx="37080" cy="36000"/>
+                </a:xfrm>
+                <a:prstGeom prst="rect">
+                  <a:avLst/>
+                </a:prstGeom>
+              </p:spPr>
+            </p:pic>
+          </mc:Fallback>
+        </mc:AlternateContent>
+      </p:grpSp>
+      <p:grpSp>
+        <p:nvGrpSpPr>
+          <p:cNvPr id="58" name="Group 57">
+            <a:extLst>
+              <a:ext uri="{FF2B5EF4-FFF2-40B4-BE49-F238E27FC236}">
+                <a16:creationId xmlns:a16="http://schemas.microsoft.com/office/drawing/2014/main" id="{5A3A8CF0-B48E-67EE-49D0-4DB979629A7E}"/>
+              </a:ext>
+            </a:extLst>
+          </p:cNvPr>
+          <p:cNvGrpSpPr/>
+          <p:nvPr/>
+        </p:nvGrpSpPr>
+        <p:grpSpPr>
+          <a:xfrm>
+            <a:off x="30408241" y="26092950"/>
+            <a:ext cx="769320" cy="298080"/>
+            <a:chOff x="30676850" y="26168820"/>
+            <a:chExt cx="769320" cy="298080"/>
+          </a:xfrm>
+        </p:grpSpPr>
+        <mc:AlternateContent xmlns:mc="http://schemas.openxmlformats.org/markup-compatibility/2006">
+          <mc:Choice xmlns:p14="http://schemas.microsoft.com/office/powerpoint/2010/main" Requires="p14">
+            <p:contentPart p14:bwMode="auto" r:id="rId42">
+              <p14:nvContentPartPr>
+                <p14:cNvPr id="52" name="Ink 51">
+                  <a:extLst>
+                    <a:ext uri="{FF2B5EF4-FFF2-40B4-BE49-F238E27FC236}">
+                      <a16:creationId xmlns:a16="http://schemas.microsoft.com/office/drawing/2014/main" id="{AE69B831-4961-B5C2-11C4-81F0999014BE}"/>
+                    </a:ext>
+                  </a:extLst>
+                </p14:cNvPr>
+                <p14:cNvContentPartPr/>
+                <p14:nvPr/>
+              </p14:nvContentPartPr>
+              <p14:xfrm>
+                <a:off x="30676850" y="26320020"/>
+                <a:ext cx="198000" cy="59400"/>
+              </p14:xfrm>
+            </p:contentPart>
+          </mc:Choice>
+          <mc:Fallback>
+            <p:pic>
+              <p:nvPicPr>
+                <p:cNvPr id="52" name="Ink 51">
+                  <a:extLst>
+                    <a:ext uri="{FF2B5EF4-FFF2-40B4-BE49-F238E27FC236}">
+                      <a16:creationId xmlns:a16="http://schemas.microsoft.com/office/drawing/2014/main" id="{AE69B831-4961-B5C2-11C4-81F0999014BE}"/>
+                    </a:ext>
+                  </a:extLst>
+                </p:cNvPr>
+                <p:cNvPicPr/>
+                <p:nvPr/>
+              </p:nvPicPr>
+              <p:blipFill>
+                <a:blip r:embed="rId43"/>
+                <a:stretch>
+                  <a:fillRect/>
+                </a:stretch>
+              </p:blipFill>
+              <p:spPr>
+                <a:xfrm>
+                  <a:off x="30658850" y="26302020"/>
+                  <a:ext cx="233640" cy="95040"/>
+                </a:xfrm>
+                <a:prstGeom prst="rect">
+                  <a:avLst/>
+                </a:prstGeom>
+              </p:spPr>
+            </p:pic>
+          </mc:Fallback>
+        </mc:AlternateContent>
+        <mc:AlternateContent xmlns:mc="http://schemas.openxmlformats.org/markup-compatibility/2006">
+          <mc:Choice xmlns:p14="http://schemas.microsoft.com/office/powerpoint/2010/main" Requires="p14">
+            <p:contentPart p14:bwMode="auto" r:id="rId44">
+              <p14:nvContentPartPr>
+                <p14:cNvPr id="53" name="Ink 52">
+                  <a:extLst>
+                    <a:ext uri="{FF2B5EF4-FFF2-40B4-BE49-F238E27FC236}">
+                      <a16:creationId xmlns:a16="http://schemas.microsoft.com/office/drawing/2014/main" id="{CEC66417-A6CA-BB00-A35A-52BA3A51ACFA}"/>
+                    </a:ext>
+                  </a:extLst>
+                </p14:cNvPr>
+                <p14:cNvContentPartPr/>
+                <p14:nvPr/>
+              </p14:nvContentPartPr>
+              <p14:xfrm>
+                <a:off x="30968810" y="26218860"/>
+                <a:ext cx="25920" cy="248040"/>
+              </p14:xfrm>
+            </p:contentPart>
+          </mc:Choice>
+          <mc:Fallback>
+            <p:pic>
+              <p:nvPicPr>
+                <p:cNvPr id="53" name="Ink 52">
+                  <a:extLst>
+                    <a:ext uri="{FF2B5EF4-FFF2-40B4-BE49-F238E27FC236}">
+                      <a16:creationId xmlns:a16="http://schemas.microsoft.com/office/drawing/2014/main" id="{CEC66417-A6CA-BB00-A35A-52BA3A51ACFA}"/>
+                    </a:ext>
+                  </a:extLst>
+                </p:cNvPr>
+                <p:cNvPicPr/>
+                <p:nvPr/>
+              </p:nvPicPr>
+              <p:blipFill>
+                <a:blip r:embed="rId45"/>
+                <a:stretch>
+                  <a:fillRect/>
+                </a:stretch>
+              </p:blipFill>
+              <p:spPr>
+                <a:xfrm>
+                  <a:off x="30950810" y="26201220"/>
+                  <a:ext cx="61560" cy="283680"/>
+                </a:xfrm>
+                <a:prstGeom prst="rect">
+                  <a:avLst/>
+                </a:prstGeom>
+              </p:spPr>
+            </p:pic>
+          </mc:Fallback>
+        </mc:AlternateContent>
+        <mc:AlternateContent xmlns:mc="http://schemas.openxmlformats.org/markup-compatibility/2006">
+          <mc:Choice xmlns:p14="http://schemas.microsoft.com/office/powerpoint/2010/main" Requires="p14">
+            <p:contentPart p14:bwMode="auto" r:id="rId46">
+              <p14:nvContentPartPr>
+                <p14:cNvPr id="54" name="Ink 53">
+                  <a:extLst>
+                    <a:ext uri="{FF2B5EF4-FFF2-40B4-BE49-F238E27FC236}">
+                      <a16:creationId xmlns:a16="http://schemas.microsoft.com/office/drawing/2014/main" id="{F9CBE98F-88BB-C31F-C38D-EF96A92C3111}"/>
+                    </a:ext>
+                  </a:extLst>
+                </p14:cNvPr>
+                <p14:cNvContentPartPr/>
+                <p14:nvPr/>
+              </p14:nvContentPartPr>
+              <p14:xfrm>
+                <a:off x="31083290" y="26212740"/>
+                <a:ext cx="128520" cy="204120"/>
+              </p14:xfrm>
+            </p:contentPart>
+          </mc:Choice>
+          <mc:Fallback>
+            <p:pic>
+              <p:nvPicPr>
+                <p:cNvPr id="54" name="Ink 53">
+                  <a:extLst>
+                    <a:ext uri="{FF2B5EF4-FFF2-40B4-BE49-F238E27FC236}">
+                      <a16:creationId xmlns:a16="http://schemas.microsoft.com/office/drawing/2014/main" id="{F9CBE98F-88BB-C31F-C38D-EF96A92C3111}"/>
+                    </a:ext>
+                  </a:extLst>
+                </p:cNvPr>
+                <p:cNvPicPr/>
+                <p:nvPr/>
+              </p:nvPicPr>
+              <p:blipFill>
+                <a:blip r:embed="rId47"/>
+                <a:stretch>
+                  <a:fillRect/>
+                </a:stretch>
+              </p:blipFill>
+              <p:spPr>
+                <a:xfrm>
+                  <a:off x="31065650" y="26194740"/>
+                  <a:ext cx="164160" cy="239760"/>
+                </a:xfrm>
+                <a:prstGeom prst="rect">
+                  <a:avLst/>
+                </a:prstGeom>
+              </p:spPr>
+            </p:pic>
+          </mc:Fallback>
+        </mc:AlternateContent>
+        <mc:AlternateContent xmlns:mc="http://schemas.openxmlformats.org/markup-compatibility/2006">
+          <mc:Choice xmlns:p14="http://schemas.microsoft.com/office/powerpoint/2010/main" Requires="p14">
+            <p:contentPart p14:bwMode="auto" r:id="rId48">
+              <p14:nvContentPartPr>
+                <p14:cNvPr id="55" name="Ink 54">
+                  <a:extLst>
+                    <a:ext uri="{FF2B5EF4-FFF2-40B4-BE49-F238E27FC236}">
+                      <a16:creationId xmlns:a16="http://schemas.microsoft.com/office/drawing/2014/main" id="{D79B27D3-E43B-D395-F11F-E0BB17DB33EE}"/>
+                    </a:ext>
+                  </a:extLst>
+                </p14:cNvPr>
+                <p14:cNvContentPartPr/>
+                <p14:nvPr/>
+              </p14:nvContentPartPr>
+              <p14:xfrm>
+                <a:off x="31300010" y="26168820"/>
+                <a:ext cx="37800" cy="62640"/>
+              </p14:xfrm>
+            </p:contentPart>
+          </mc:Choice>
+          <mc:Fallback>
+            <p:pic>
+              <p:nvPicPr>
+                <p:cNvPr id="55" name="Ink 54">
+                  <a:extLst>
+                    <a:ext uri="{FF2B5EF4-FFF2-40B4-BE49-F238E27FC236}">
+                      <a16:creationId xmlns:a16="http://schemas.microsoft.com/office/drawing/2014/main" id="{D79B27D3-E43B-D395-F11F-E0BB17DB33EE}"/>
+                    </a:ext>
+                  </a:extLst>
+                </p:cNvPr>
+                <p:cNvPicPr/>
+                <p:nvPr/>
+              </p:nvPicPr>
+              <p:blipFill>
+                <a:blip r:embed="rId49"/>
+                <a:stretch>
+                  <a:fillRect/>
+                </a:stretch>
+              </p:blipFill>
+              <p:spPr>
+                <a:xfrm>
+                  <a:off x="31282010" y="26150820"/>
+                  <a:ext cx="73440" cy="98280"/>
+                </a:xfrm>
+                <a:prstGeom prst="rect">
+                  <a:avLst/>
+                </a:prstGeom>
+              </p:spPr>
+            </p:pic>
+          </mc:Fallback>
+        </mc:AlternateContent>
+        <mc:AlternateContent xmlns:mc="http://schemas.openxmlformats.org/markup-compatibility/2006">
+          <mc:Choice xmlns:p14="http://schemas.microsoft.com/office/powerpoint/2010/main" Requires="p14">
+            <p:contentPart p14:bwMode="auto" r:id="rId50">
+              <p14:nvContentPartPr>
+                <p14:cNvPr id="56" name="Ink 55">
+                  <a:extLst>
+                    <a:ext uri="{FF2B5EF4-FFF2-40B4-BE49-F238E27FC236}">
+                      <a16:creationId xmlns:a16="http://schemas.microsoft.com/office/drawing/2014/main" id="{830B0605-B1C2-7DCE-B110-933828379F0B}"/>
+                    </a:ext>
+                  </a:extLst>
+                </p14:cNvPr>
+                <p14:cNvContentPartPr/>
+                <p14:nvPr/>
+              </p14:nvContentPartPr>
+              <p14:xfrm>
+                <a:off x="31306130" y="26218860"/>
+                <a:ext cx="133200" cy="233640"/>
+              </p14:xfrm>
+            </p:contentPart>
+          </mc:Choice>
+          <mc:Fallback>
+            <p:pic>
+              <p:nvPicPr>
+                <p:cNvPr id="56" name="Ink 55">
+                  <a:extLst>
+                    <a:ext uri="{FF2B5EF4-FFF2-40B4-BE49-F238E27FC236}">
+                      <a16:creationId xmlns:a16="http://schemas.microsoft.com/office/drawing/2014/main" id="{830B0605-B1C2-7DCE-B110-933828379F0B}"/>
+                    </a:ext>
+                  </a:extLst>
+                </p:cNvPr>
+                <p:cNvPicPr/>
+                <p:nvPr/>
+              </p:nvPicPr>
+              <p:blipFill>
+                <a:blip r:embed="rId51"/>
+                <a:stretch>
+                  <a:fillRect/>
+                </a:stretch>
+              </p:blipFill>
+              <p:spPr>
+                <a:xfrm>
+                  <a:off x="31288130" y="26201220"/>
+                  <a:ext cx="168840" cy="269280"/>
+                </a:xfrm>
+                <a:prstGeom prst="rect">
+                  <a:avLst/>
+                </a:prstGeom>
+              </p:spPr>
+            </p:pic>
+          </mc:Fallback>
+        </mc:AlternateContent>
+        <mc:AlternateContent xmlns:mc="http://schemas.openxmlformats.org/markup-compatibility/2006">
+          <mc:Choice xmlns:p14="http://schemas.microsoft.com/office/powerpoint/2010/main" Requires="p14">
+            <p:contentPart p14:bwMode="auto" r:id="rId52">
+              <p14:nvContentPartPr>
+                <p14:cNvPr id="57" name="Ink 56">
+                  <a:extLst>
+                    <a:ext uri="{FF2B5EF4-FFF2-40B4-BE49-F238E27FC236}">
+                      <a16:creationId xmlns:a16="http://schemas.microsoft.com/office/drawing/2014/main" id="{DF0B0491-1F2B-0056-CE08-5033D88F8321}"/>
+                    </a:ext>
+                  </a:extLst>
+                </p14:cNvPr>
+                <p14:cNvContentPartPr/>
+                <p14:nvPr/>
+              </p14:nvContentPartPr>
+              <p14:xfrm>
+                <a:off x="31387850" y="26390220"/>
+                <a:ext cx="58320" cy="65160"/>
+              </p14:xfrm>
+            </p:contentPart>
+          </mc:Choice>
+          <mc:Fallback>
+            <p:pic>
+              <p:nvPicPr>
+                <p:cNvPr id="57" name="Ink 56">
+                  <a:extLst>
+                    <a:ext uri="{FF2B5EF4-FFF2-40B4-BE49-F238E27FC236}">
+                      <a16:creationId xmlns:a16="http://schemas.microsoft.com/office/drawing/2014/main" id="{DF0B0491-1F2B-0056-CE08-5033D88F8321}"/>
+                    </a:ext>
+                  </a:extLst>
+                </p:cNvPr>
+                <p:cNvPicPr/>
+                <p:nvPr/>
+              </p:nvPicPr>
+              <p:blipFill>
+                <a:blip r:embed="rId53"/>
+                <a:stretch>
+                  <a:fillRect/>
+                </a:stretch>
+              </p:blipFill>
+              <p:spPr>
+                <a:xfrm>
+                  <a:off x="31369850" y="26372580"/>
+                  <a:ext cx="93960" cy="100800"/>
+                </a:xfrm>
+                <a:prstGeom prst="rect">
+                  <a:avLst/>
+                </a:prstGeom>
+              </p:spPr>
+            </p:pic>
+          </mc:Fallback>
+        </mc:AlternateContent>
+      </p:grpSp>
+      <p:grpSp>
+        <p:nvGrpSpPr>
+          <p:cNvPr id="129" name="Group 128">
+            <a:extLst>
+              <a:ext uri="{FF2B5EF4-FFF2-40B4-BE49-F238E27FC236}">
+                <a16:creationId xmlns:a16="http://schemas.microsoft.com/office/drawing/2014/main" id="{C03BB34C-49A1-E5C5-7A76-C2C9D09E09C9}"/>
+              </a:ext>
+            </a:extLst>
+          </p:cNvPr>
+          <p:cNvGrpSpPr/>
+          <p:nvPr/>
+        </p:nvGrpSpPr>
+        <p:grpSpPr>
+          <a:xfrm>
+            <a:off x="31334521" y="26054430"/>
+            <a:ext cx="489960" cy="336600"/>
+            <a:chOff x="31603130" y="26130300"/>
+            <a:chExt cx="489960" cy="336600"/>
+          </a:xfrm>
+        </p:grpSpPr>
+        <mc:AlternateContent xmlns:mc="http://schemas.openxmlformats.org/markup-compatibility/2006">
+          <mc:Choice xmlns:p14="http://schemas.microsoft.com/office/powerpoint/2010/main" Requires="p14">
+            <p:contentPart p14:bwMode="auto" r:id="rId54">
+              <p14:nvContentPartPr>
+                <p14:cNvPr id="59" name="Ink 58">
+                  <a:extLst>
+                    <a:ext uri="{FF2B5EF4-FFF2-40B4-BE49-F238E27FC236}">
+                      <a16:creationId xmlns:a16="http://schemas.microsoft.com/office/drawing/2014/main" id="{67C71904-33CE-72C6-01D3-5C03C8994216}"/>
+                    </a:ext>
+                  </a:extLst>
+                </p14:cNvPr>
+                <p14:cNvContentPartPr/>
+                <p14:nvPr/>
+              </p14:nvContentPartPr>
+              <p14:xfrm>
+                <a:off x="31603130" y="26130300"/>
+                <a:ext cx="96120" cy="336600"/>
+              </p14:xfrm>
+            </p:contentPart>
+          </mc:Choice>
+          <mc:Fallback>
+            <p:pic>
+              <p:nvPicPr>
+                <p:cNvPr id="59" name="Ink 58">
+                  <a:extLst>
+                    <a:ext uri="{FF2B5EF4-FFF2-40B4-BE49-F238E27FC236}">
+                      <a16:creationId xmlns:a16="http://schemas.microsoft.com/office/drawing/2014/main" id="{67C71904-33CE-72C6-01D3-5C03C8994216}"/>
+                    </a:ext>
+                  </a:extLst>
+                </p:cNvPr>
+                <p:cNvPicPr/>
+                <p:nvPr/>
+              </p:nvPicPr>
+              <p:blipFill>
+                <a:blip r:embed="rId55"/>
+                <a:stretch>
+                  <a:fillRect/>
+                </a:stretch>
+              </p:blipFill>
+              <p:spPr>
+                <a:xfrm>
+                  <a:off x="31585490" y="26112300"/>
+                  <a:ext cx="131760" cy="372240"/>
+                </a:xfrm>
+                <a:prstGeom prst="rect">
+                  <a:avLst/>
+                </a:prstGeom>
+              </p:spPr>
+            </p:pic>
+          </mc:Fallback>
+        </mc:AlternateContent>
+        <mc:AlternateContent xmlns:mc="http://schemas.openxmlformats.org/markup-compatibility/2006">
+          <mc:Choice xmlns:p14="http://schemas.microsoft.com/office/powerpoint/2010/main" Requires="p14">
+            <p:contentPart p14:bwMode="auto" r:id="rId56">
+              <p14:nvContentPartPr>
+                <p14:cNvPr id="60" name="Ink 59">
+                  <a:extLst>
+                    <a:ext uri="{FF2B5EF4-FFF2-40B4-BE49-F238E27FC236}">
+                      <a16:creationId xmlns:a16="http://schemas.microsoft.com/office/drawing/2014/main" id="{5B20C2EE-3861-720E-1FD7-57CB8ACB4937}"/>
+                    </a:ext>
+                  </a:extLst>
+                </p14:cNvPr>
+                <p14:cNvContentPartPr/>
+                <p14:nvPr/>
+              </p14:nvContentPartPr>
+              <p14:xfrm>
+                <a:off x="31768730" y="26282580"/>
+                <a:ext cx="53640" cy="71280"/>
+              </p14:xfrm>
+            </p:contentPart>
+          </mc:Choice>
+          <mc:Fallback>
+            <p:pic>
+              <p:nvPicPr>
+                <p:cNvPr id="60" name="Ink 59">
+                  <a:extLst>
+                    <a:ext uri="{FF2B5EF4-FFF2-40B4-BE49-F238E27FC236}">
+                      <a16:creationId xmlns:a16="http://schemas.microsoft.com/office/drawing/2014/main" id="{5B20C2EE-3861-720E-1FD7-57CB8ACB4937}"/>
+                    </a:ext>
+                  </a:extLst>
+                </p:cNvPr>
+                <p:cNvPicPr/>
+                <p:nvPr/>
+              </p:nvPicPr>
+              <p:blipFill>
+                <a:blip r:embed="rId57"/>
+                <a:stretch>
+                  <a:fillRect/>
+                </a:stretch>
+              </p:blipFill>
+              <p:spPr>
+                <a:xfrm>
+                  <a:off x="31751090" y="26264940"/>
+                  <a:ext cx="89280" cy="106920"/>
+                </a:xfrm>
+                <a:prstGeom prst="rect">
+                  <a:avLst/>
+                </a:prstGeom>
+              </p:spPr>
+            </p:pic>
+          </mc:Fallback>
+        </mc:AlternateContent>
+        <mc:AlternateContent xmlns:mc="http://schemas.openxmlformats.org/markup-compatibility/2006">
+          <mc:Choice xmlns:p14="http://schemas.microsoft.com/office/powerpoint/2010/main" Requires="p14">
+            <p:contentPart p14:bwMode="auto" r:id="rId58">
+              <p14:nvContentPartPr>
+                <p14:cNvPr id="61" name="Ink 60">
+                  <a:extLst>
+                    <a:ext uri="{FF2B5EF4-FFF2-40B4-BE49-F238E27FC236}">
+                      <a16:creationId xmlns:a16="http://schemas.microsoft.com/office/drawing/2014/main" id="{A25CB895-2201-84D6-078D-6283C54FD5D9}"/>
+                    </a:ext>
+                  </a:extLst>
+                </p14:cNvPr>
+                <p14:cNvContentPartPr/>
+                <p14:nvPr/>
+              </p14:nvContentPartPr>
+              <p14:xfrm>
+                <a:off x="31847210" y="26263500"/>
+                <a:ext cx="23400" cy="168480"/>
+              </p14:xfrm>
+            </p:contentPart>
+          </mc:Choice>
+          <mc:Fallback>
+            <p:pic>
+              <p:nvPicPr>
+                <p:cNvPr id="61" name="Ink 60">
+                  <a:extLst>
+                    <a:ext uri="{FF2B5EF4-FFF2-40B4-BE49-F238E27FC236}">
+                      <a16:creationId xmlns:a16="http://schemas.microsoft.com/office/drawing/2014/main" id="{A25CB895-2201-84D6-078D-6283C54FD5D9}"/>
+                    </a:ext>
+                  </a:extLst>
+                </p:cNvPr>
+                <p:cNvPicPr/>
+                <p:nvPr/>
+              </p:nvPicPr>
+              <p:blipFill>
+                <a:blip r:embed="rId59"/>
+                <a:stretch>
+                  <a:fillRect/>
+                </a:stretch>
+              </p:blipFill>
+              <p:spPr>
+                <a:xfrm>
+                  <a:off x="31829570" y="26245500"/>
+                  <a:ext cx="59040" cy="204120"/>
+                </a:xfrm>
+                <a:prstGeom prst="rect">
+                  <a:avLst/>
+                </a:prstGeom>
+              </p:spPr>
+            </p:pic>
+          </mc:Fallback>
+        </mc:AlternateContent>
+        <mc:AlternateContent xmlns:mc="http://schemas.openxmlformats.org/markup-compatibility/2006">
+          <mc:Choice xmlns:p14="http://schemas.microsoft.com/office/powerpoint/2010/main" Requires="p14">
+            <p:contentPart p14:bwMode="auto" r:id="rId60">
+              <p14:nvContentPartPr>
+                <p14:cNvPr id="62" name="Ink 61">
+                  <a:extLst>
+                    <a:ext uri="{FF2B5EF4-FFF2-40B4-BE49-F238E27FC236}">
+                      <a16:creationId xmlns:a16="http://schemas.microsoft.com/office/drawing/2014/main" id="{1FB3F3D5-45C6-EE25-D95A-C5D7FF4E2C2E}"/>
+                    </a:ext>
+                  </a:extLst>
+                </p14:cNvPr>
+                <p14:cNvContentPartPr/>
+                <p14:nvPr/>
+              </p14:nvContentPartPr>
+              <p14:xfrm>
+                <a:off x="31940090" y="26326860"/>
+                <a:ext cx="99360" cy="121680"/>
+              </p14:xfrm>
+            </p:contentPart>
+          </mc:Choice>
+          <mc:Fallback>
+            <p:pic>
+              <p:nvPicPr>
+                <p:cNvPr id="62" name="Ink 61">
+                  <a:extLst>
+                    <a:ext uri="{FF2B5EF4-FFF2-40B4-BE49-F238E27FC236}">
+                      <a16:creationId xmlns:a16="http://schemas.microsoft.com/office/drawing/2014/main" id="{1FB3F3D5-45C6-EE25-D95A-C5D7FF4E2C2E}"/>
+                    </a:ext>
+                  </a:extLst>
+                </p:cNvPr>
+                <p:cNvPicPr/>
+                <p:nvPr/>
+              </p:nvPicPr>
+              <p:blipFill>
+                <a:blip r:embed="rId61"/>
+                <a:stretch>
+                  <a:fillRect/>
+                </a:stretch>
+              </p:blipFill>
+              <p:spPr>
+                <a:xfrm>
+                  <a:off x="31922090" y="26309220"/>
+                  <a:ext cx="135000" cy="157320"/>
+                </a:xfrm>
+                <a:prstGeom prst="rect">
+                  <a:avLst/>
+                </a:prstGeom>
+              </p:spPr>
+            </p:pic>
+          </mc:Fallback>
+        </mc:AlternateContent>
+        <mc:AlternateContent xmlns:mc="http://schemas.openxmlformats.org/markup-compatibility/2006">
+          <mc:Choice xmlns:p14="http://schemas.microsoft.com/office/powerpoint/2010/main" Requires="p14">
+            <p:contentPart p14:bwMode="auto" r:id="rId62">
+              <p14:nvContentPartPr>
+                <p14:cNvPr id="63" name="Ink 62">
+                  <a:extLst>
+                    <a:ext uri="{FF2B5EF4-FFF2-40B4-BE49-F238E27FC236}">
+                      <a16:creationId xmlns:a16="http://schemas.microsoft.com/office/drawing/2014/main" id="{AB31C9D4-4C9A-95A1-11BD-BED0FFE7865B}"/>
+                    </a:ext>
+                  </a:extLst>
+                </p14:cNvPr>
+                <p14:cNvContentPartPr/>
+                <p14:nvPr/>
+              </p14:nvContentPartPr>
+              <p14:xfrm>
+                <a:off x="32090210" y="26441340"/>
+                <a:ext cx="2880" cy="5400"/>
+              </p14:xfrm>
+            </p:contentPart>
+          </mc:Choice>
+          <mc:Fallback>
+            <p:pic>
+              <p:nvPicPr>
+                <p:cNvPr id="63" name="Ink 62">
+                  <a:extLst>
+                    <a:ext uri="{FF2B5EF4-FFF2-40B4-BE49-F238E27FC236}">
+                      <a16:creationId xmlns:a16="http://schemas.microsoft.com/office/drawing/2014/main" id="{AB31C9D4-4C9A-95A1-11BD-BED0FFE7865B}"/>
+                    </a:ext>
+                  </a:extLst>
+                </p:cNvPr>
+                <p:cNvPicPr/>
+                <p:nvPr/>
+              </p:nvPicPr>
+              <p:blipFill>
+                <a:blip r:embed="rId63"/>
+                <a:stretch>
+                  <a:fillRect/>
+                </a:stretch>
+              </p:blipFill>
+              <p:spPr>
+                <a:xfrm>
+                  <a:off x="32072570" y="26423340"/>
+                  <a:ext cx="38520" cy="41040"/>
+                </a:xfrm>
+                <a:prstGeom prst="rect">
+                  <a:avLst/>
+                </a:prstGeom>
+              </p:spPr>
+            </p:pic>
+          </mc:Fallback>
+        </mc:AlternateContent>
+      </p:grpSp>
+      <p:grpSp>
+        <p:nvGrpSpPr>
+          <p:cNvPr id="132" name="Group 131">
+            <a:extLst>
+              <a:ext uri="{FF2B5EF4-FFF2-40B4-BE49-F238E27FC236}">
+                <a16:creationId xmlns:a16="http://schemas.microsoft.com/office/drawing/2014/main" id="{83D56F84-5FF1-9071-0C1A-2F5D91BED4F9}"/>
+              </a:ext>
+            </a:extLst>
+          </p:cNvPr>
+          <p:cNvGrpSpPr/>
+          <p:nvPr/>
+        </p:nvGrpSpPr>
+        <p:grpSpPr>
+          <a:xfrm>
+            <a:off x="31686200" y="23832999"/>
+            <a:ext cx="132840" cy="379440"/>
+            <a:chOff x="32669320" y="23889400"/>
+            <a:chExt cx="132840" cy="379440"/>
+          </a:xfrm>
+        </p:grpSpPr>
+        <mc:AlternateContent xmlns:mc="http://schemas.openxmlformats.org/markup-compatibility/2006">
+          <mc:Choice xmlns:p14="http://schemas.microsoft.com/office/powerpoint/2010/main" Requires="p14">
+            <p:contentPart p14:bwMode="auto" r:id="rId64">
+              <p14:nvContentPartPr>
+                <p14:cNvPr id="130" name="Ink 129">
+                  <a:extLst>
+                    <a:ext uri="{FF2B5EF4-FFF2-40B4-BE49-F238E27FC236}">
+                      <a16:creationId xmlns:a16="http://schemas.microsoft.com/office/drawing/2014/main" id="{51D95D46-3D40-2E39-FE8E-9A6034E6421E}"/>
+                    </a:ext>
+                  </a:extLst>
+                </p14:cNvPr>
+                <p14:cNvContentPartPr/>
+                <p14:nvPr/>
+              </p14:nvContentPartPr>
+              <p14:xfrm>
+                <a:off x="32669320" y="23889400"/>
+                <a:ext cx="132840" cy="250920"/>
+              </p14:xfrm>
+            </p:contentPart>
+          </mc:Choice>
+          <mc:Fallback>
+            <p:pic>
+              <p:nvPicPr>
+                <p:cNvPr id="130" name="Ink 129">
+                  <a:extLst>
+                    <a:ext uri="{FF2B5EF4-FFF2-40B4-BE49-F238E27FC236}">
+                      <a16:creationId xmlns:a16="http://schemas.microsoft.com/office/drawing/2014/main" id="{51D95D46-3D40-2E39-FE8E-9A6034E6421E}"/>
+                    </a:ext>
+                  </a:extLst>
+                </p:cNvPr>
+                <p:cNvPicPr/>
+                <p:nvPr/>
+              </p:nvPicPr>
+              <p:blipFill>
+                <a:blip r:embed="rId65"/>
+                <a:stretch>
+                  <a:fillRect/>
+                </a:stretch>
+              </p:blipFill>
+              <p:spPr>
+                <a:xfrm>
+                  <a:off x="32651680" y="23871760"/>
+                  <a:ext cx="168480" cy="286560"/>
+                </a:xfrm>
+                <a:prstGeom prst="rect">
+                  <a:avLst/>
+                </a:prstGeom>
+              </p:spPr>
+            </p:pic>
+          </mc:Fallback>
+        </mc:AlternateContent>
+        <mc:AlternateContent xmlns:mc="http://schemas.openxmlformats.org/markup-compatibility/2006">
+          <mc:Choice xmlns:p14="http://schemas.microsoft.com/office/powerpoint/2010/main" Requires="p14">
+            <p:contentPart p14:bwMode="auto" r:id="rId66">
+              <p14:nvContentPartPr>
+                <p14:cNvPr id="131" name="Ink 130">
+                  <a:extLst>
+                    <a:ext uri="{FF2B5EF4-FFF2-40B4-BE49-F238E27FC236}">
+                      <a16:creationId xmlns:a16="http://schemas.microsoft.com/office/drawing/2014/main" id="{4EAE8388-B05B-903B-0B63-E653422E0F35}"/>
+                    </a:ext>
+                  </a:extLst>
+                </p14:cNvPr>
+                <p14:cNvContentPartPr/>
+                <p14:nvPr/>
+              </p14:nvContentPartPr>
+              <p14:xfrm>
+                <a:off x="32745640" y="24241480"/>
+                <a:ext cx="8640" cy="27360"/>
+              </p14:xfrm>
+            </p:contentPart>
+          </mc:Choice>
+          <mc:Fallback>
+            <p:pic>
+              <p:nvPicPr>
+                <p:cNvPr id="131" name="Ink 130">
+                  <a:extLst>
+                    <a:ext uri="{FF2B5EF4-FFF2-40B4-BE49-F238E27FC236}">
+                      <a16:creationId xmlns:a16="http://schemas.microsoft.com/office/drawing/2014/main" id="{4EAE8388-B05B-903B-0B63-E653422E0F35}"/>
+                    </a:ext>
+                  </a:extLst>
+                </p:cNvPr>
+                <p:cNvPicPr/>
+                <p:nvPr/>
+              </p:nvPicPr>
+              <p:blipFill>
+                <a:blip r:embed="rId67"/>
+                <a:stretch>
+                  <a:fillRect/>
+                </a:stretch>
+              </p:blipFill>
+              <p:spPr>
+                <a:xfrm>
+                  <a:off x="32727640" y="24223840"/>
+                  <a:ext cx="44280" cy="63000"/>
+                </a:xfrm>
+                <a:prstGeom prst="rect">
+                  <a:avLst/>
+                </a:prstGeom>
+              </p:spPr>
+            </p:pic>
+          </mc:Fallback>
+        </mc:AlternateContent>
+      </p:grpSp>
+      <p:grpSp>
+        <p:nvGrpSpPr>
+          <p:cNvPr id="142" name="Group 141">
+            <a:extLst>
+              <a:ext uri="{FF2B5EF4-FFF2-40B4-BE49-F238E27FC236}">
+                <a16:creationId xmlns:a16="http://schemas.microsoft.com/office/drawing/2014/main" id="{997FE906-C629-CACE-0865-9E9E4F716166}"/>
+              </a:ext>
+            </a:extLst>
+          </p:cNvPr>
+          <p:cNvGrpSpPr/>
+          <p:nvPr/>
+        </p:nvGrpSpPr>
+        <p:grpSpPr>
+          <a:xfrm>
+            <a:off x="22931090" y="24258544"/>
+            <a:ext cx="8672040" cy="427680"/>
+            <a:chOff x="22973210" y="24381957"/>
+            <a:chExt cx="8672040" cy="427680"/>
+          </a:xfrm>
+        </p:grpSpPr>
+        <mc:AlternateContent xmlns:mc="http://schemas.openxmlformats.org/markup-compatibility/2006">
+          <mc:Choice xmlns:p14="http://schemas.microsoft.com/office/powerpoint/2010/main" Requires="p14">
+            <p:contentPart p14:bwMode="auto" r:id="rId68">
+              <p14:nvContentPartPr>
+                <p14:cNvPr id="133" name="Ink 132">
+                  <a:extLst>
+                    <a:ext uri="{FF2B5EF4-FFF2-40B4-BE49-F238E27FC236}">
+                      <a16:creationId xmlns:a16="http://schemas.microsoft.com/office/drawing/2014/main" id="{C79B68B6-6469-515C-6869-58C5130A964A}"/>
+                    </a:ext>
+                  </a:extLst>
+                </p14:cNvPr>
+                <p14:cNvContentPartPr/>
+                <p14:nvPr/>
+              </p14:nvContentPartPr>
+              <p14:xfrm>
+                <a:off x="22973210" y="24381957"/>
+                <a:ext cx="8606880" cy="318960"/>
+              </p14:xfrm>
+            </p:contentPart>
+          </mc:Choice>
+          <mc:Fallback>
+            <p:pic>
+              <p:nvPicPr>
+                <p:cNvPr id="133" name="Ink 132">
+                  <a:extLst>
+                    <a:ext uri="{FF2B5EF4-FFF2-40B4-BE49-F238E27FC236}">
+                      <a16:creationId xmlns:a16="http://schemas.microsoft.com/office/drawing/2014/main" id="{C79B68B6-6469-515C-6869-58C5130A964A}"/>
+                    </a:ext>
+                  </a:extLst>
+                </p:cNvPr>
+                <p:cNvPicPr/>
+                <p:nvPr/>
+              </p:nvPicPr>
+              <p:blipFill>
+                <a:blip r:embed="rId69"/>
+                <a:stretch>
+                  <a:fillRect/>
+                </a:stretch>
+              </p:blipFill>
+              <p:spPr>
+                <a:xfrm>
+                  <a:off x="22955210" y="24364317"/>
+                  <a:ext cx="8642520" cy="354600"/>
+                </a:xfrm>
+                <a:prstGeom prst="rect">
+                  <a:avLst/>
+                </a:prstGeom>
+              </p:spPr>
+            </p:pic>
+          </mc:Fallback>
+        </mc:AlternateContent>
+        <mc:AlternateContent xmlns:mc="http://schemas.openxmlformats.org/markup-compatibility/2006">
+          <mc:Choice xmlns:p14="http://schemas.microsoft.com/office/powerpoint/2010/main" Requires="p14">
+            <p:contentPart p14:bwMode="auto" r:id="rId70">
+              <p14:nvContentPartPr>
+                <p14:cNvPr id="138" name="Ink 137">
+                  <a:extLst>
+                    <a:ext uri="{FF2B5EF4-FFF2-40B4-BE49-F238E27FC236}">
+                      <a16:creationId xmlns:a16="http://schemas.microsoft.com/office/drawing/2014/main" id="{B7194F33-B853-8696-A0CD-09D7EFF6D117}"/>
+                    </a:ext>
+                  </a:extLst>
+                </p14:cNvPr>
+                <p14:cNvContentPartPr/>
+                <p14:nvPr/>
+              </p14:nvContentPartPr>
+              <p14:xfrm>
+                <a:off x="31446170" y="24586077"/>
+                <a:ext cx="199080" cy="223560"/>
+              </p14:xfrm>
+            </p:contentPart>
+          </mc:Choice>
+          <mc:Fallback>
+            <p:pic>
+              <p:nvPicPr>
+                <p:cNvPr id="138" name="Ink 137">
+                  <a:extLst>
+                    <a:ext uri="{FF2B5EF4-FFF2-40B4-BE49-F238E27FC236}">
+                      <a16:creationId xmlns:a16="http://schemas.microsoft.com/office/drawing/2014/main" id="{B7194F33-B853-8696-A0CD-09D7EFF6D117}"/>
+                    </a:ext>
+                  </a:extLst>
+                </p:cNvPr>
+                <p:cNvPicPr/>
+                <p:nvPr/>
+              </p:nvPicPr>
+              <p:blipFill>
+                <a:blip r:embed="rId71"/>
+                <a:stretch>
+                  <a:fillRect/>
+                </a:stretch>
+              </p:blipFill>
+              <p:spPr>
+                <a:xfrm>
+                  <a:off x="31428530" y="24568077"/>
+                  <a:ext cx="234720" cy="259200"/>
+                </a:xfrm>
+                <a:prstGeom prst="rect">
+                  <a:avLst/>
+                </a:prstGeom>
+              </p:spPr>
+            </p:pic>
+          </mc:Fallback>
+        </mc:AlternateContent>
+      </p:grpSp>
+      <p:grpSp>
+        <p:nvGrpSpPr>
+          <p:cNvPr id="141" name="Group 140">
+            <a:extLst>
+              <a:ext uri="{FF2B5EF4-FFF2-40B4-BE49-F238E27FC236}">
+                <a16:creationId xmlns:a16="http://schemas.microsoft.com/office/drawing/2014/main" id="{084E16B7-8F90-AA12-C97E-5A05B61D4825}"/>
+              </a:ext>
+            </a:extLst>
+          </p:cNvPr>
+          <p:cNvGrpSpPr/>
+          <p:nvPr/>
+        </p:nvGrpSpPr>
+        <p:grpSpPr>
+          <a:xfrm>
+            <a:off x="26109420" y="25975185"/>
+            <a:ext cx="5560560" cy="1127520"/>
+            <a:chOff x="26029600" y="26085400"/>
+            <a:chExt cx="5560560" cy="1127520"/>
+          </a:xfrm>
+        </p:grpSpPr>
+        <mc:AlternateContent xmlns:mc="http://schemas.openxmlformats.org/markup-compatibility/2006">
+          <mc:Choice xmlns:p14="http://schemas.microsoft.com/office/powerpoint/2010/main" Requires="p14">
+            <p:contentPart p14:bwMode="auto" r:id="rId72">
+              <p14:nvContentPartPr>
+                <p14:cNvPr id="139" name="Ink 138">
+                  <a:extLst>
+                    <a:ext uri="{FF2B5EF4-FFF2-40B4-BE49-F238E27FC236}">
+                      <a16:creationId xmlns:a16="http://schemas.microsoft.com/office/drawing/2014/main" id="{E0BC9D39-92FC-9352-BEAC-F8C5CD4A3C6B}"/>
+                    </a:ext>
+                  </a:extLst>
+                </p14:cNvPr>
+                <p14:cNvContentPartPr/>
+                <p14:nvPr/>
+              </p14:nvContentPartPr>
+              <p14:xfrm>
+                <a:off x="26029600" y="26085400"/>
+                <a:ext cx="5426280" cy="1036080"/>
+              </p14:xfrm>
+            </p:contentPart>
+          </mc:Choice>
+          <mc:Fallback>
+            <p:pic>
+              <p:nvPicPr>
+                <p:cNvPr id="139" name="Ink 138">
+                  <a:extLst>
+                    <a:ext uri="{FF2B5EF4-FFF2-40B4-BE49-F238E27FC236}">
+                      <a16:creationId xmlns:a16="http://schemas.microsoft.com/office/drawing/2014/main" id="{E0BC9D39-92FC-9352-BEAC-F8C5CD4A3C6B}"/>
+                    </a:ext>
+                  </a:extLst>
+                </p:cNvPr>
+                <p:cNvPicPr/>
+                <p:nvPr/>
+              </p:nvPicPr>
+              <p:blipFill>
+                <a:blip r:embed="rId73"/>
+                <a:stretch>
+                  <a:fillRect/>
+                </a:stretch>
+              </p:blipFill>
+              <p:spPr>
+                <a:xfrm>
+                  <a:off x="26011960" y="26067760"/>
+                  <a:ext cx="5461920" cy="1071720"/>
+                </a:xfrm>
+                <a:prstGeom prst="rect">
+                  <a:avLst/>
+                </a:prstGeom>
+              </p:spPr>
+            </p:pic>
+          </mc:Fallback>
+        </mc:AlternateContent>
+        <mc:AlternateContent xmlns:mc="http://schemas.openxmlformats.org/markup-compatibility/2006">
+          <mc:Choice xmlns:p14="http://schemas.microsoft.com/office/powerpoint/2010/main" Requires="p14">
+            <p:contentPart p14:bwMode="auto" r:id="rId74">
+              <p14:nvContentPartPr>
+                <p14:cNvPr id="140" name="Ink 139">
+                  <a:extLst>
+                    <a:ext uri="{FF2B5EF4-FFF2-40B4-BE49-F238E27FC236}">
+                      <a16:creationId xmlns:a16="http://schemas.microsoft.com/office/drawing/2014/main" id="{4BE5A0A9-48F4-B349-D513-37BB89EE25A9}"/>
+                    </a:ext>
+                  </a:extLst>
+                </p14:cNvPr>
+                <p14:cNvContentPartPr/>
+                <p14:nvPr/>
+              </p14:nvContentPartPr>
+              <p14:xfrm>
+                <a:off x="31280560" y="27030400"/>
+                <a:ext cx="309600" cy="182520"/>
+              </p14:xfrm>
+            </p:contentPart>
+          </mc:Choice>
+          <mc:Fallback>
+            <p:pic>
+              <p:nvPicPr>
+                <p:cNvPr id="140" name="Ink 139">
+                  <a:extLst>
+                    <a:ext uri="{FF2B5EF4-FFF2-40B4-BE49-F238E27FC236}">
+                      <a16:creationId xmlns:a16="http://schemas.microsoft.com/office/drawing/2014/main" id="{4BE5A0A9-48F4-B349-D513-37BB89EE25A9}"/>
+                    </a:ext>
+                  </a:extLst>
+                </p:cNvPr>
+                <p:cNvPicPr/>
+                <p:nvPr/>
+              </p:nvPicPr>
+              <p:blipFill>
+                <a:blip r:embed="rId75"/>
+                <a:stretch>
+                  <a:fillRect/>
+                </a:stretch>
+              </p:blipFill>
+              <p:spPr>
+                <a:xfrm>
+                  <a:off x="31262920" y="27012760"/>
+                  <a:ext cx="345240" cy="218160"/>
+                </a:xfrm>
+                <a:prstGeom prst="rect">
+                  <a:avLst/>
+                </a:prstGeom>
+              </p:spPr>
+            </p:pic>
+          </mc:Fallback>
+        </mc:AlternateContent>
+      </p:grpSp>
+      <mc:AlternateContent xmlns:mc="http://schemas.openxmlformats.org/markup-compatibility/2006">
+        <mc:Choice xmlns:p14="http://schemas.microsoft.com/office/powerpoint/2010/main" Requires="p14">
+          <p:contentPart p14:bwMode="auto" r:id="rId76">
+            <p14:nvContentPartPr>
+              <p14:cNvPr id="143" name="Ink 142">
+                <a:extLst>
+                  <a:ext uri="{FF2B5EF4-FFF2-40B4-BE49-F238E27FC236}">
+                    <a16:creationId xmlns:a16="http://schemas.microsoft.com/office/drawing/2014/main" id="{F7C71244-DB82-5C53-5243-FEB3240B7412}"/>
+                  </a:ext>
+                </a:extLst>
+              </p14:cNvPr>
+              <p14:cNvContentPartPr/>
+              <p14:nvPr/>
+            </p14:nvContentPartPr>
+            <p14:xfrm>
+              <a:off x="20330080" y="25450720"/>
+              <a:ext cx="360" cy="360"/>
+            </p14:xfrm>
+          </p:contentPart>
+        </mc:Choice>
+        <mc:Fallback>
+          <p:pic>
+            <p:nvPicPr>
+              <p:cNvPr id="143" name="Ink 142">
+                <a:extLst>
+                  <a:ext uri="{FF2B5EF4-FFF2-40B4-BE49-F238E27FC236}">
+                    <a16:creationId xmlns:a16="http://schemas.microsoft.com/office/drawing/2014/main" id="{F7C71244-DB82-5C53-5243-FEB3240B7412}"/>
+                  </a:ext>
+                </a:extLst>
+              </p:cNvPr>
+              <p:cNvPicPr/>
+              <p:nvPr/>
+            </p:nvPicPr>
+            <p:blipFill>
+              <a:blip r:embed="rId77"/>
+              <a:stretch>
+                <a:fillRect/>
+              </a:stretch>
+            </p:blipFill>
+            <p:spPr>
+              <a:xfrm>
+                <a:off x="20312080" y="25433080"/>
+                <a:ext cx="36000" cy="36000"/>
+              </a:xfrm>
+              <a:prstGeom prst="rect">
+                <a:avLst/>
+              </a:prstGeom>
+            </p:spPr>
+          </p:pic>
+        </mc:Fallback>
+      </mc:AlternateContent>
     </p:spTree>
     <p:extLst>
       <p:ext uri="{BB962C8B-B14F-4D97-AF65-F5344CB8AC3E}">

--- a/presentation/2025_pvpmc_hobbs_ercot.pptx
+++ b/presentation/2025_pvpmc_hobbs_ercot.pptx
@@ -3783,7 +3783,7 @@
         </p:blipFill>
         <p:spPr>
           <a:xfrm>
-            <a:off x="20741692" y="17754585"/>
+            <a:off x="20741692" y="17602188"/>
             <a:ext cx="11539049" cy="5411454"/>
           </a:xfrm>
           <a:prstGeom prst="rect">
@@ -4049,7 +4049,7 @@
         </p:nvSpPr>
         <p:spPr>
           <a:xfrm>
-            <a:off x="690564" y="9400796"/>
+            <a:off x="690564" y="9248399"/>
             <a:ext cx="19875653" cy="6340197"/>
           </a:xfrm>
           <a:prstGeom prst="rect">
@@ -4077,7 +4077,7 @@
                 <a:ea typeface="Liberation Sans" panose="020B0604020202020204" pitchFamily="34" charset="0"/>
                 <a:cs typeface="Liberation Sans" panose="020B0604020202020204" pitchFamily="34" charset="0"/>
               </a:rPr>
-              <a:t>Generation data are published by ERCOT with 60-day delay [1]. Archive goes back to 2012 [2]. 3rd-party access from gridstatus.io via API goes back to 2018 [3] w/ paid + free options.</a:t>
+              <a:t>Generation data are published by ERCOT with a 60-day delay [1]. Archive goes back to 2012 [2]. 3rd-party access from gridstatus.io API goes back to 2018 [3] with paid + free options.</a:t>
             </a:r>
           </a:p>
           <a:p>
@@ -4203,7 +4203,7 @@
         </p:nvCxnSpPr>
         <p:spPr>
           <a:xfrm>
-            <a:off x="515088" y="17515874"/>
+            <a:off x="515088" y="17363477"/>
             <a:ext cx="31888225" cy="0"/>
           </a:xfrm>
           <a:prstGeom prst="line">
@@ -4244,8 +4244,8 @@
         </p:nvSpPr>
         <p:spPr>
           <a:xfrm>
-            <a:off x="690563" y="17861294"/>
-            <a:ext cx="19758923" cy="10464403"/>
+            <a:off x="690563" y="17708897"/>
+            <a:ext cx="19758923" cy="10525958"/>
           </a:xfrm>
           <a:prstGeom prst="rect">
             <a:avLst/>
@@ -4324,7 +4324,15 @@
                 <a:ea typeface="Liberation Sans" panose="020B0604020202020204" pitchFamily="34" charset="0"/>
                 <a:cs typeface="Liberation Sans" panose="020B0604020202020204" pitchFamily="34" charset="0"/>
               </a:rPr>
-              <a:t>-system-model [9]. </a:t>
+              <a:t>-system-model [9] to calculate </a:t>
+            </a:r>
+            <a:r>
+              <a:rPr lang="en-US" sz="5400" b="1" dirty="0">
+                <a:latin typeface="Liberation Sans" panose="020B0604020202020204" pitchFamily="34" charset="0"/>
+                <a:ea typeface="Liberation Sans" panose="020B0604020202020204" pitchFamily="34" charset="0"/>
+                <a:cs typeface="Liberation Sans" panose="020B0604020202020204" pitchFamily="34" charset="0"/>
+              </a:rPr>
+              <a:t>performance index (PI)</a:t>
             </a:r>
           </a:p>
           <a:p>
@@ -4404,14 +4412,7 @@
               </a:rPr>
               <a:t>.</a:t>
             </a:r>
-          </a:p>
-          <a:p>
-            <a:pPr>
-              <a:spcBef>
-                <a:spcPts val="1200"/>
-              </a:spcBef>
-            </a:pPr>
-            <a:endParaRPr lang="en-US" sz="2000" b="1" dirty="0">
+            <a:endParaRPr lang="en-US" sz="1400" b="1" dirty="0">
               <a:latin typeface="Liberation Sans" panose="020B0604020202020204" pitchFamily="34" charset="0"/>
               <a:ea typeface="Liberation Sans" panose="020B0604020202020204" pitchFamily="34" charset="0"/>
               <a:cs typeface="Liberation Sans" panose="020B0604020202020204" pitchFamily="34" charset="0"/>
@@ -4420,7 +4421,7 @@
           <a:p>
             <a:pPr>
               <a:spcBef>
-                <a:spcPts val="1200"/>
+                <a:spcPts val="1800"/>
               </a:spcBef>
             </a:pPr>
             <a:r>
@@ -4464,7 +4465,7 @@
                 <a:ea typeface="Liberation Sans" panose="020B0604020202020204" pitchFamily="34" charset="0"/>
                 <a:cs typeface="Liberation Sans" panose="020B0604020202020204" pitchFamily="34" charset="0"/>
               </a:rPr>
-              <a:t>significant drops in performance</a:t>
+              <a:t>big drops in PI</a:t>
             </a:r>
             <a:r>
               <a:rPr lang="en-US" sz="5400" dirty="0">
@@ -4499,15 +4500,27 @@
                 <a:ea typeface="Liberation Sans" panose="020B0604020202020204" pitchFamily="34" charset="0"/>
                 <a:cs typeface="Liberation Sans" panose="020B0604020202020204" pitchFamily="34" charset="0"/>
               </a:rPr>
-              <a:t> More analysis needed.</a:t>
-            </a:r>
-          </a:p>
-          <a:p>
-            <a:pPr>
-              <a:spcBef>
-                <a:spcPts val="1200"/>
-              </a:spcBef>
-            </a:pPr>
+              <a:t> </a:t>
+            </a:r>
+            <a:r>
+              <a:rPr lang="en-US" sz="5400" dirty="0">
+                <a:latin typeface="Liberation Sans" panose="020B0604020202020204" pitchFamily="34" charset="0"/>
+                <a:ea typeface="Liberation Sans" panose="020B0604020202020204" pitchFamily="34" charset="0"/>
+                <a:cs typeface="Liberation Sans" panose="020B0604020202020204" pitchFamily="34" charset="0"/>
+              </a:rPr>
+              <a:t>Maybe major recurring curtailment?</a:t>
+            </a:r>
+            <a:r>
+              <a:rPr lang="en-US" sz="5400" dirty="0">
+                <a:solidFill>
+                  <a:srgbClr val="FF0000"/>
+                </a:solidFill>
+                <a:latin typeface="Liberation Sans" panose="020B0604020202020204" pitchFamily="34" charset="0"/>
+                <a:ea typeface="Liberation Sans" panose="020B0604020202020204" pitchFamily="34" charset="0"/>
+                <a:cs typeface="Liberation Sans" panose="020B0604020202020204" pitchFamily="34" charset="0"/>
+              </a:rPr>
+              <a:t> More analysis on more plants is needed.</a:t>
+            </a:r>
             <a:endParaRPr lang="en-US" sz="2000" dirty="0">
               <a:latin typeface="Liberation Sans" panose="020B0604020202020204" pitchFamily="34" charset="0"/>
               <a:ea typeface="Liberation Sans" panose="020B0604020202020204" pitchFamily="34" charset="0"/>
@@ -4517,7 +4530,7 @@
           <a:p>
             <a:pPr>
               <a:spcBef>
-                <a:spcPts val="1200"/>
+                <a:spcPts val="1800"/>
               </a:spcBef>
             </a:pPr>
             <a:r>
@@ -4550,7 +4563,7 @@
                 <a:ea typeface="Liberation Sans" panose="020B0604020202020204" pitchFamily="34" charset="0"/>
                 <a:cs typeface="Liberation Sans" panose="020B0604020202020204" pitchFamily="34" charset="0"/>
               </a:rPr>
-              <a:t> this data, do proper rigorous analysis, and publish results (similar to PV Fleets work)</a:t>
+              <a:t> this data, do proper (rigorous) analysis, and publish results, similar to PV Fleets.</a:t>
             </a:r>
           </a:p>
         </p:txBody>
@@ -4571,7 +4584,7 @@
         </p:nvCxnSpPr>
         <p:spPr>
           <a:xfrm>
-            <a:off x="515088" y="28583457"/>
+            <a:off x="515088" y="28431060"/>
             <a:ext cx="31888225" cy="0"/>
           </a:xfrm>
           <a:prstGeom prst="line">
@@ -4612,7 +4625,7 @@
         </p:nvSpPr>
         <p:spPr>
           <a:xfrm>
-            <a:off x="690563" y="15920591"/>
+            <a:off x="690563" y="15768194"/>
             <a:ext cx="20051129" cy="1077218"/>
           </a:xfrm>
           <a:prstGeom prst="rect">
@@ -4657,7 +4670,7 @@
         <p:spPr>
           <a:xfrm>
             <a:off x="515088" y="28705817"/>
-            <a:ext cx="19934398" cy="3831818"/>
+            <a:ext cx="16603331" cy="4047262"/>
           </a:xfrm>
           <a:prstGeom prst="rect">
             <a:avLst/>
@@ -5218,7 +5231,7 @@
         </p:blipFill>
         <p:spPr>
           <a:xfrm>
-            <a:off x="20719915" y="29836751"/>
+            <a:off x="19848048" y="29836751"/>
             <a:ext cx="2653335" cy="2653335"/>
           </a:xfrm>
           <a:prstGeom prst="rect">
@@ -5240,7 +5253,7 @@
         </p:nvSpPr>
         <p:spPr>
           <a:xfrm>
-            <a:off x="19592876" y="28701373"/>
+            <a:off x="18721009" y="28701373"/>
             <a:ext cx="5348843" cy="923330"/>
           </a:xfrm>
           <a:prstGeom prst="rect">
@@ -5289,7 +5302,7 @@
         </p:nvSpPr>
         <p:spPr>
           <a:xfrm>
-            <a:off x="29417669" y="20074752"/>
+            <a:off x="29417669" y="19922355"/>
             <a:ext cx="1103487" cy="923330"/>
           </a:xfrm>
           <a:prstGeom prst="rect">
@@ -5341,7 +5354,7 @@
         </p:blipFill>
         <p:spPr>
           <a:xfrm>
-            <a:off x="20719915" y="9255592"/>
+            <a:off x="20719915" y="9103195"/>
             <a:ext cx="11688225" cy="7981543"/>
           </a:xfrm>
           <a:prstGeom prst="rect">
@@ -5377,7 +5390,7 @@
         </p:blipFill>
         <p:spPr>
           <a:xfrm>
-            <a:off x="21380060" y="23088933"/>
+            <a:off x="21380060" y="22936536"/>
             <a:ext cx="10786058" cy="5411454"/>
           </a:xfrm>
           <a:prstGeom prst="rect">
@@ -5399,7 +5412,7 @@
         </p:nvGrpSpPr>
         <p:grpSpPr>
           <a:xfrm>
-            <a:off x="30213930" y="23882939"/>
+            <a:off x="30213930" y="23730542"/>
             <a:ext cx="1354320" cy="338760"/>
             <a:chOff x="31197050" y="23939340"/>
             <a:chExt cx="1354320" cy="338760"/>
@@ -5930,7 +5943,7 @@
         </p:nvGrpSpPr>
         <p:grpSpPr>
           <a:xfrm>
-            <a:off x="30408241" y="26092950"/>
+            <a:off x="30408241" y="25940553"/>
             <a:ext cx="769320" cy="298080"/>
             <a:chOff x="30676850" y="26168820"/>
             <a:chExt cx="769320" cy="298080"/>
@@ -6257,7 +6270,7 @@
         </p:nvGrpSpPr>
         <p:grpSpPr>
           <a:xfrm>
-            <a:off x="31334521" y="26054430"/>
+            <a:off x="31334521" y="25902033"/>
             <a:ext cx="489960" cy="336600"/>
             <a:chOff x="31603130" y="26130300"/>
             <a:chExt cx="489960" cy="336600"/>
@@ -6533,7 +6546,7 @@
         </p:nvGrpSpPr>
         <p:grpSpPr>
           <a:xfrm>
-            <a:off x="31686200" y="23832999"/>
+            <a:off x="31686200" y="23680602"/>
             <a:ext cx="132840" cy="379440"/>
             <a:chOff x="32669320" y="23889400"/>
             <a:chExt cx="132840" cy="379440"/>
@@ -6656,7 +6669,7 @@
         </p:nvGrpSpPr>
         <p:grpSpPr>
           <a:xfrm>
-            <a:off x="22931090" y="24258544"/>
+            <a:off x="22931090" y="24106147"/>
             <a:ext cx="8672040" cy="427680"/>
             <a:chOff x="22973210" y="24381957"/>
             <a:chExt cx="8672040" cy="427680"/>
@@ -6779,7 +6792,7 @@
         </p:nvGrpSpPr>
         <p:grpSpPr>
           <a:xfrm>
-            <a:off x="26109420" y="25975185"/>
+            <a:off x="26109420" y="25822788"/>
             <a:ext cx="5560560" cy="1127520"/>
             <a:chOff x="26029600" y="26085400"/>
             <a:chExt cx="5560560" cy="1127520"/>
@@ -6903,7 +6916,7 @@
               <p14:nvPr/>
             </p14:nvContentPartPr>
             <p14:xfrm>
-              <a:off x="20330080" y="25450720"/>
+              <a:off x="20330080" y="25298323"/>
               <a:ext cx="360" cy="360"/>
             </p14:xfrm>
           </p:contentPart>
@@ -6929,7 +6942,7 @@
             </p:blipFill>
             <p:spPr>
               <a:xfrm>
-                <a:off x="20312080" y="25433080"/>
+                <a:off x="20312080" y="25280683"/>
                 <a:ext cx="36000" cy="36000"/>
               </a:xfrm>
               <a:prstGeom prst="rect">
